--- a/documentation/Week4_project.pptx
+++ b/documentation/Week4_project.pptx
@@ -7,11 +7,11 @@
   <p:sldIdLst>
     <p:sldId id="256" r:id="rId2"/>
     <p:sldId id="257" r:id="rId3"/>
-    <p:sldId id="260" r:id="rId4"/>
-    <p:sldId id="258" r:id="rId5"/>
+    <p:sldId id="258" r:id="rId4"/>
+    <p:sldId id="260" r:id="rId5"/>
     <p:sldId id="264" r:id="rId6"/>
-    <p:sldId id="259" r:id="rId7"/>
-    <p:sldId id="262" r:id="rId8"/>
+    <p:sldId id="265" r:id="rId7"/>
+    <p:sldId id="267" r:id="rId8"/>
     <p:sldId id="263" r:id="rId9"/>
   </p:sldIdLst>
   <p:sldSz cx="12192000" cy="6858000"/>
@@ -112,6 +112,1978 @@
     </a:lvl9pPr>
   </p:defaultTextStyle>
 </p:presentation>
+</file>
+
+<file path=ppt/charts/chart1.xml><?xml version="1.0" encoding="utf-8"?>
+<c:chartSpace xmlns:c="http://schemas.openxmlformats.org/drawingml/2006/chart" xmlns:a="http://schemas.openxmlformats.org/drawingml/2006/main" xmlns:r="http://schemas.openxmlformats.org/officeDocument/2006/relationships">
+  <c:date1904 val="0"/>
+  <c:lang val="en-GB"/>
+  <c:roundedCorners val="0"/>
+  <mc:AlternateContent xmlns:mc="http://schemas.openxmlformats.org/markup-compatibility/2006">
+    <mc:Choice xmlns:c14="http://schemas.microsoft.com/office/drawing/2007/8/2/chart" Requires="c14">
+      <c14:style val="102"/>
+    </mc:Choice>
+    <mc:Fallback>
+      <c:style val="2"/>
+    </mc:Fallback>
+  </mc:AlternateContent>
+  <c:chart>
+    <c:title>
+      <c:tx>
+        <c:rich>
+          <a:bodyPr rot="0" spcFirstLastPara="1" vertOverflow="ellipsis" vert="horz" wrap="square" anchor="ctr" anchorCtr="1"/>
+          <a:lstStyle/>
+          <a:p>
+            <a:pPr>
+              <a:defRPr sz="1600" b="1" i="0" u="none" strike="noStrike" kern="1200" cap="all" baseline="0">
+                <a:solidFill>
+                  <a:schemeClr val="tx1">
+                    <a:lumMod val="65000"/>
+                    <a:lumOff val="35000"/>
+                  </a:schemeClr>
+                </a:solidFill>
+                <a:latin typeface="+mn-lt"/>
+                <a:ea typeface="+mn-ea"/>
+                <a:cs typeface="+mn-cs"/>
+              </a:defRPr>
+            </a:pPr>
+            <a:r>
+              <a:rPr lang="en-US"/>
+              <a:t>ACTUAL</a:t>
+            </a:r>
+          </a:p>
+        </c:rich>
+      </c:tx>
+      <c:layout/>
+      <c:overlay val="0"/>
+      <c:spPr>
+        <a:noFill/>
+        <a:ln>
+          <a:noFill/>
+        </a:ln>
+        <a:effectLst/>
+      </c:spPr>
+      <c:txPr>
+        <a:bodyPr rot="0" spcFirstLastPara="1" vertOverflow="ellipsis" vert="horz" wrap="square" anchor="ctr" anchorCtr="1"/>
+        <a:lstStyle/>
+        <a:p>
+          <a:pPr>
+            <a:defRPr sz="1600" b="1" i="0" u="none" strike="noStrike" kern="1200" cap="all" baseline="0">
+              <a:solidFill>
+                <a:schemeClr val="tx1">
+                  <a:lumMod val="65000"/>
+                  <a:lumOff val="35000"/>
+                </a:schemeClr>
+              </a:solidFill>
+              <a:latin typeface="+mn-lt"/>
+              <a:ea typeface="+mn-ea"/>
+              <a:cs typeface="+mn-cs"/>
+            </a:defRPr>
+          </a:pPr>
+          <a:endParaRPr lang="en-US"/>
+        </a:p>
+      </c:txPr>
+    </c:title>
+    <c:autoTitleDeleted val="0"/>
+    <c:plotArea>
+      <c:layout>
+        <c:manualLayout>
+          <c:layoutTarget val="inner"/>
+          <c:xMode val="edge"/>
+          <c:yMode val="edge"/>
+          <c:x val="0.309528652668416"/>
+          <c:y val="0.26022127442403"/>
+          <c:w val="0.380942913385827"/>
+          <c:h val="0.634904855643045"/>
+        </c:manualLayout>
+      </c:layout>
+      <c:pieChart>
+        <c:varyColors val="1"/>
+        <c:ser>
+          <c:idx val="0"/>
+          <c:order val="0"/>
+          <c:dPt>
+            <c:idx val="0"/>
+            <c:bubble3D val="0"/>
+            <c:spPr>
+              <a:solidFill>
+                <a:schemeClr val="accent1"/>
+              </a:solidFill>
+              <a:ln>
+                <a:noFill/>
+              </a:ln>
+              <a:effectLst>
+                <a:outerShdw blurRad="63500" sx="102000" sy="102000" algn="ctr" rotWithShape="0">
+                  <a:prstClr val="black">
+                    <a:alpha val="20000"/>
+                  </a:prstClr>
+                </a:outerShdw>
+              </a:effectLst>
+            </c:spPr>
+          </c:dPt>
+          <c:dPt>
+            <c:idx val="1"/>
+            <c:bubble3D val="0"/>
+            <c:spPr>
+              <a:solidFill>
+                <a:schemeClr val="accent2"/>
+              </a:solidFill>
+              <a:ln>
+                <a:noFill/>
+              </a:ln>
+              <a:effectLst>
+                <a:outerShdw blurRad="63500" sx="102000" sy="102000" algn="ctr" rotWithShape="0">
+                  <a:prstClr val="black">
+                    <a:alpha val="20000"/>
+                  </a:prstClr>
+                </a:outerShdw>
+              </a:effectLst>
+            </c:spPr>
+          </c:dPt>
+          <c:dPt>
+            <c:idx val="2"/>
+            <c:bubble3D val="0"/>
+            <c:spPr>
+              <a:solidFill>
+                <a:schemeClr val="accent3"/>
+              </a:solidFill>
+              <a:ln>
+                <a:noFill/>
+              </a:ln>
+              <a:effectLst>
+                <a:outerShdw blurRad="63500" sx="102000" sy="102000" algn="ctr" rotWithShape="0">
+                  <a:prstClr val="black">
+                    <a:alpha val="20000"/>
+                  </a:prstClr>
+                </a:outerShdw>
+              </a:effectLst>
+            </c:spPr>
+          </c:dPt>
+          <c:dLbls>
+            <c:dLbl>
+              <c:idx val="0"/>
+              <c:spPr>
+                <a:noFill/>
+                <a:ln>
+                  <a:noFill/>
+                </a:ln>
+                <a:effectLst/>
+              </c:spPr>
+              <c:txPr>
+                <a:bodyPr rot="0" spcFirstLastPara="1" vertOverflow="ellipsis" vert="horz" wrap="square" lIns="38100" tIns="19050" rIns="38100" bIns="19050" anchor="ctr" anchorCtr="1">
+                  <a:spAutoFit/>
+                </a:bodyPr>
+                <a:lstStyle/>
+                <a:p>
+                  <a:pPr>
+                    <a:defRPr sz="1000" b="1" i="0" u="none" strike="noStrike" kern="1200" spc="0" baseline="0">
+                      <a:solidFill>
+                        <a:schemeClr val="accent1"/>
+                      </a:solidFill>
+                      <a:latin typeface="+mn-lt"/>
+                      <a:ea typeface="+mn-ea"/>
+                      <a:cs typeface="+mn-cs"/>
+                    </a:defRPr>
+                  </a:pPr>
+                  <a:endParaRPr lang="en-US"/>
+                </a:p>
+              </c:txPr>
+              <c:dLblPos val="outEnd"/>
+              <c:showLegendKey val="0"/>
+              <c:showVal val="0"/>
+              <c:showCatName val="1"/>
+              <c:showSerName val="0"/>
+              <c:showPercent val="1"/>
+              <c:showBubbleSize val="0"/>
+            </c:dLbl>
+            <c:dLbl>
+              <c:idx val="1"/>
+              <c:spPr>
+                <a:noFill/>
+                <a:ln>
+                  <a:noFill/>
+                </a:ln>
+                <a:effectLst/>
+              </c:spPr>
+              <c:txPr>
+                <a:bodyPr rot="0" spcFirstLastPara="1" vertOverflow="ellipsis" vert="horz" wrap="square" lIns="38100" tIns="19050" rIns="38100" bIns="19050" anchor="ctr" anchorCtr="1">
+                  <a:spAutoFit/>
+                </a:bodyPr>
+                <a:lstStyle/>
+                <a:p>
+                  <a:pPr>
+                    <a:defRPr sz="1000" b="1" i="0" u="none" strike="noStrike" kern="1200" spc="0" baseline="0">
+                      <a:solidFill>
+                        <a:schemeClr val="accent2"/>
+                      </a:solidFill>
+                      <a:latin typeface="+mn-lt"/>
+                      <a:ea typeface="+mn-ea"/>
+                      <a:cs typeface="+mn-cs"/>
+                    </a:defRPr>
+                  </a:pPr>
+                  <a:endParaRPr lang="en-US"/>
+                </a:p>
+              </c:txPr>
+              <c:dLblPos val="outEnd"/>
+              <c:showLegendKey val="0"/>
+              <c:showVal val="0"/>
+              <c:showCatName val="1"/>
+              <c:showSerName val="0"/>
+              <c:showPercent val="1"/>
+              <c:showBubbleSize val="0"/>
+            </c:dLbl>
+            <c:dLbl>
+              <c:idx val="2"/>
+              <c:spPr>
+                <a:noFill/>
+                <a:ln>
+                  <a:noFill/>
+                </a:ln>
+                <a:effectLst/>
+              </c:spPr>
+              <c:txPr>
+                <a:bodyPr rot="0" spcFirstLastPara="1" vertOverflow="ellipsis" vert="horz" wrap="square" lIns="38100" tIns="19050" rIns="38100" bIns="19050" anchor="ctr" anchorCtr="1">
+                  <a:spAutoFit/>
+                </a:bodyPr>
+                <a:lstStyle/>
+                <a:p>
+                  <a:pPr>
+                    <a:defRPr sz="1000" b="1" i="0" u="none" strike="noStrike" kern="1200" spc="0" baseline="0">
+                      <a:solidFill>
+                        <a:schemeClr val="accent3"/>
+                      </a:solidFill>
+                      <a:latin typeface="+mn-lt"/>
+                      <a:ea typeface="+mn-ea"/>
+                      <a:cs typeface="+mn-cs"/>
+                    </a:defRPr>
+                  </a:pPr>
+                  <a:endParaRPr lang="en-US"/>
+                </a:p>
+              </c:txPr>
+              <c:dLblPos val="outEnd"/>
+              <c:showLegendKey val="0"/>
+              <c:showVal val="0"/>
+              <c:showCatName val="1"/>
+              <c:showSerName val="0"/>
+              <c:showPercent val="1"/>
+              <c:showBubbleSize val="0"/>
+            </c:dLbl>
+            <c:spPr>
+              <a:noFill/>
+              <a:ln>
+                <a:noFill/>
+              </a:ln>
+              <a:effectLst/>
+            </c:spPr>
+            <c:dLblPos val="outEnd"/>
+            <c:showLegendKey val="0"/>
+            <c:showVal val="0"/>
+            <c:showCatName val="1"/>
+            <c:showSerName val="0"/>
+            <c:showPercent val="1"/>
+            <c:showBubbleSize val="0"/>
+            <c:showLeaderLines val="1"/>
+            <c:leaderLines>
+              <c:spPr>
+                <a:ln w="9525" cap="flat" cmpd="sng" algn="ctr">
+                  <a:solidFill>
+                    <a:schemeClr val="tx1">
+                      <a:lumMod val="35000"/>
+                      <a:lumOff val="65000"/>
+                    </a:schemeClr>
+                  </a:solidFill>
+                  <a:round/>
+                </a:ln>
+                <a:effectLst/>
+              </c:spPr>
+            </c:leaderLines>
+            <c:extLst>
+              <c:ext xmlns:c15="http://schemas.microsoft.com/office/drawing/2012/chart" uri="{CE6537A1-D6FC-4f65-9D91-7224C49458BB}"/>
+            </c:extLst>
+          </c:dLbls>
+          <c:cat>
+            <c:strRef>
+              <c:f>Sheet1!$A$2:$A$4</c:f>
+              <c:strCache>
+                <c:ptCount val="3"/>
+                <c:pt idx="0">
+                  <c:v>PLANNING</c:v>
+                </c:pt>
+                <c:pt idx="1">
+                  <c:v>RUBY</c:v>
+                </c:pt>
+                <c:pt idx="2">
+                  <c:v>CSS/HTML</c:v>
+                </c:pt>
+              </c:strCache>
+            </c:strRef>
+          </c:cat>
+          <c:val>
+            <c:numRef>
+              <c:f>Sheet1!$B$2:$B$4</c:f>
+              <c:numCache>
+                <c:formatCode>General</c:formatCode>
+                <c:ptCount val="3"/>
+                <c:pt idx="0">
+                  <c:v>1.0</c:v>
+                </c:pt>
+                <c:pt idx="1">
+                  <c:v>4.75</c:v>
+                </c:pt>
+                <c:pt idx="2">
+                  <c:v>0.25</c:v>
+                </c:pt>
+              </c:numCache>
+            </c:numRef>
+          </c:val>
+        </c:ser>
+        <c:dLbls>
+          <c:dLblPos val="outEnd"/>
+          <c:showLegendKey val="0"/>
+          <c:showVal val="0"/>
+          <c:showCatName val="0"/>
+          <c:showSerName val="0"/>
+          <c:showPercent val="1"/>
+          <c:showBubbleSize val="0"/>
+          <c:showLeaderLines val="1"/>
+        </c:dLbls>
+        <c:firstSliceAng val="0"/>
+      </c:pieChart>
+      <c:spPr>
+        <a:noFill/>
+        <a:ln>
+          <a:noFill/>
+        </a:ln>
+        <a:effectLst/>
+      </c:spPr>
+    </c:plotArea>
+    <c:plotVisOnly val="1"/>
+    <c:dispBlanksAs val="gap"/>
+    <c:showDLblsOverMax val="0"/>
+  </c:chart>
+  <c:spPr>
+    <a:noFill/>
+    <a:ln>
+      <a:noFill/>
+    </a:ln>
+    <a:effectLst/>
+  </c:spPr>
+  <c:txPr>
+    <a:bodyPr/>
+    <a:lstStyle/>
+    <a:p>
+      <a:pPr>
+        <a:defRPr/>
+      </a:pPr>
+      <a:endParaRPr lang="en-US"/>
+    </a:p>
+  </c:txPr>
+  <c:externalData r:id="rId3">
+    <c:autoUpdate val="0"/>
+  </c:externalData>
+</c:chartSpace>
+</file>
+
+<file path=ppt/charts/chart2.xml><?xml version="1.0" encoding="utf-8"?>
+<c:chartSpace xmlns:c="http://schemas.openxmlformats.org/drawingml/2006/chart" xmlns:a="http://schemas.openxmlformats.org/drawingml/2006/main" xmlns:r="http://schemas.openxmlformats.org/officeDocument/2006/relationships">
+  <c:date1904 val="0"/>
+  <c:lang val="en-GB"/>
+  <c:roundedCorners val="0"/>
+  <mc:AlternateContent xmlns:mc="http://schemas.openxmlformats.org/markup-compatibility/2006">
+    <mc:Choice xmlns:c14="http://schemas.microsoft.com/office/drawing/2007/8/2/chart" Requires="c14">
+      <c14:style val="102"/>
+    </mc:Choice>
+    <mc:Fallback>
+      <c:style val="2"/>
+    </mc:Fallback>
+  </mc:AlternateContent>
+  <c:chart>
+    <c:title>
+      <c:tx>
+        <c:rich>
+          <a:bodyPr rot="0" spcFirstLastPara="1" vertOverflow="ellipsis" vert="horz" wrap="square" anchor="ctr" anchorCtr="1"/>
+          <a:lstStyle/>
+          <a:p>
+            <a:pPr>
+              <a:defRPr sz="1600" b="1" i="0" u="none" strike="noStrike" kern="1200" cap="all" baseline="0">
+                <a:solidFill>
+                  <a:schemeClr val="tx1">
+                    <a:lumMod val="65000"/>
+                    <a:lumOff val="35000"/>
+                  </a:schemeClr>
+                </a:solidFill>
+                <a:latin typeface="+mn-lt"/>
+                <a:ea typeface="+mn-ea"/>
+                <a:cs typeface="+mn-cs"/>
+              </a:defRPr>
+            </a:pPr>
+            <a:r>
+              <a:rPr lang="en-US"/>
+              <a:t>PLANNED</a:t>
+            </a:r>
+          </a:p>
+        </c:rich>
+      </c:tx>
+      <c:layout/>
+      <c:overlay val="0"/>
+      <c:spPr>
+        <a:noFill/>
+        <a:ln>
+          <a:noFill/>
+        </a:ln>
+        <a:effectLst/>
+      </c:spPr>
+      <c:txPr>
+        <a:bodyPr rot="0" spcFirstLastPara="1" vertOverflow="ellipsis" vert="horz" wrap="square" anchor="ctr" anchorCtr="1"/>
+        <a:lstStyle/>
+        <a:p>
+          <a:pPr>
+            <a:defRPr sz="1600" b="1" i="0" u="none" strike="noStrike" kern="1200" cap="all" baseline="0">
+              <a:solidFill>
+                <a:schemeClr val="tx1">
+                  <a:lumMod val="65000"/>
+                  <a:lumOff val="35000"/>
+                </a:schemeClr>
+              </a:solidFill>
+              <a:latin typeface="+mn-lt"/>
+              <a:ea typeface="+mn-ea"/>
+              <a:cs typeface="+mn-cs"/>
+            </a:defRPr>
+          </a:pPr>
+          <a:endParaRPr lang="en-US"/>
+        </a:p>
+      </c:txPr>
+    </c:title>
+    <c:autoTitleDeleted val="0"/>
+    <c:plotArea>
+      <c:layout/>
+      <c:pieChart>
+        <c:varyColors val="1"/>
+        <c:ser>
+          <c:idx val="0"/>
+          <c:order val="0"/>
+          <c:dPt>
+            <c:idx val="0"/>
+            <c:bubble3D val="0"/>
+            <c:spPr>
+              <a:solidFill>
+                <a:schemeClr val="accent1"/>
+              </a:solidFill>
+              <a:ln>
+                <a:noFill/>
+              </a:ln>
+              <a:effectLst>
+                <a:outerShdw blurRad="63500" sx="102000" sy="102000" algn="ctr" rotWithShape="0">
+                  <a:prstClr val="black">
+                    <a:alpha val="20000"/>
+                  </a:prstClr>
+                </a:outerShdw>
+              </a:effectLst>
+            </c:spPr>
+          </c:dPt>
+          <c:dPt>
+            <c:idx val="1"/>
+            <c:bubble3D val="0"/>
+            <c:spPr>
+              <a:solidFill>
+                <a:schemeClr val="accent2"/>
+              </a:solidFill>
+              <a:ln>
+                <a:noFill/>
+              </a:ln>
+              <a:effectLst>
+                <a:outerShdw blurRad="63500" sx="102000" sy="102000" algn="ctr" rotWithShape="0">
+                  <a:prstClr val="black">
+                    <a:alpha val="20000"/>
+                  </a:prstClr>
+                </a:outerShdw>
+              </a:effectLst>
+            </c:spPr>
+          </c:dPt>
+          <c:dPt>
+            <c:idx val="2"/>
+            <c:bubble3D val="0"/>
+            <c:spPr>
+              <a:solidFill>
+                <a:schemeClr val="accent3"/>
+              </a:solidFill>
+              <a:ln>
+                <a:noFill/>
+              </a:ln>
+              <a:effectLst>
+                <a:outerShdw blurRad="63500" sx="102000" sy="102000" algn="ctr" rotWithShape="0">
+                  <a:prstClr val="black">
+                    <a:alpha val="20000"/>
+                  </a:prstClr>
+                </a:outerShdw>
+              </a:effectLst>
+            </c:spPr>
+          </c:dPt>
+          <c:dPt>
+            <c:idx val="3"/>
+            <c:bubble3D val="0"/>
+            <c:spPr>
+              <a:solidFill>
+                <a:schemeClr val="accent4"/>
+              </a:solidFill>
+              <a:ln>
+                <a:noFill/>
+              </a:ln>
+              <a:effectLst>
+                <a:outerShdw blurRad="63500" sx="102000" sy="102000" algn="ctr" rotWithShape="0">
+                  <a:prstClr val="black">
+                    <a:alpha val="20000"/>
+                  </a:prstClr>
+                </a:outerShdw>
+              </a:effectLst>
+            </c:spPr>
+          </c:dPt>
+          <c:dPt>
+            <c:idx val="4"/>
+            <c:bubble3D val="0"/>
+            <c:spPr>
+              <a:solidFill>
+                <a:schemeClr val="accent5"/>
+              </a:solidFill>
+              <a:ln>
+                <a:noFill/>
+              </a:ln>
+              <a:effectLst>
+                <a:outerShdw blurRad="63500" sx="102000" sy="102000" algn="ctr" rotWithShape="0">
+                  <a:prstClr val="black">
+                    <a:alpha val="20000"/>
+                  </a:prstClr>
+                </a:outerShdw>
+              </a:effectLst>
+            </c:spPr>
+          </c:dPt>
+          <c:dLbls>
+            <c:dLbl>
+              <c:idx val="0"/>
+              <c:spPr>
+                <a:noFill/>
+                <a:ln>
+                  <a:noFill/>
+                </a:ln>
+                <a:effectLst/>
+              </c:spPr>
+              <c:txPr>
+                <a:bodyPr rot="0" spcFirstLastPara="1" vertOverflow="ellipsis" vert="horz" wrap="square" lIns="38100" tIns="19050" rIns="38100" bIns="19050" anchor="ctr" anchorCtr="1">
+                  <a:spAutoFit/>
+                </a:bodyPr>
+                <a:lstStyle/>
+                <a:p>
+                  <a:pPr>
+                    <a:defRPr sz="1000" b="1" i="0" u="none" strike="noStrike" kern="1200" spc="0" baseline="0">
+                      <a:solidFill>
+                        <a:schemeClr val="accent1"/>
+                      </a:solidFill>
+                      <a:latin typeface="+mn-lt"/>
+                      <a:ea typeface="+mn-ea"/>
+                      <a:cs typeface="+mn-cs"/>
+                    </a:defRPr>
+                  </a:pPr>
+                  <a:endParaRPr lang="en-US"/>
+                </a:p>
+              </c:txPr>
+              <c:dLblPos val="outEnd"/>
+              <c:showLegendKey val="0"/>
+              <c:showVal val="0"/>
+              <c:showCatName val="1"/>
+              <c:showSerName val="0"/>
+              <c:showPercent val="1"/>
+              <c:showBubbleSize val="0"/>
+            </c:dLbl>
+            <c:dLbl>
+              <c:idx val="1"/>
+              <c:spPr>
+                <a:noFill/>
+                <a:ln>
+                  <a:noFill/>
+                </a:ln>
+                <a:effectLst/>
+              </c:spPr>
+              <c:txPr>
+                <a:bodyPr rot="0" spcFirstLastPara="1" vertOverflow="ellipsis" vert="horz" wrap="square" lIns="38100" tIns="19050" rIns="38100" bIns="19050" anchor="ctr" anchorCtr="1">
+                  <a:spAutoFit/>
+                </a:bodyPr>
+                <a:lstStyle/>
+                <a:p>
+                  <a:pPr>
+                    <a:defRPr sz="1000" b="1" i="0" u="none" strike="noStrike" kern="1200" spc="0" baseline="0">
+                      <a:solidFill>
+                        <a:schemeClr val="accent2"/>
+                      </a:solidFill>
+                      <a:latin typeface="+mn-lt"/>
+                      <a:ea typeface="+mn-ea"/>
+                      <a:cs typeface="+mn-cs"/>
+                    </a:defRPr>
+                  </a:pPr>
+                  <a:endParaRPr lang="en-US"/>
+                </a:p>
+              </c:txPr>
+              <c:dLblPos val="outEnd"/>
+              <c:showLegendKey val="0"/>
+              <c:showVal val="0"/>
+              <c:showCatName val="1"/>
+              <c:showSerName val="0"/>
+              <c:showPercent val="1"/>
+              <c:showBubbleSize val="0"/>
+            </c:dLbl>
+            <c:dLbl>
+              <c:idx val="2"/>
+              <c:spPr>
+                <a:noFill/>
+                <a:ln>
+                  <a:noFill/>
+                </a:ln>
+                <a:effectLst/>
+              </c:spPr>
+              <c:txPr>
+                <a:bodyPr rot="0" spcFirstLastPara="1" vertOverflow="ellipsis" vert="horz" wrap="square" lIns="38100" tIns="19050" rIns="38100" bIns="19050" anchor="ctr" anchorCtr="1">
+                  <a:spAutoFit/>
+                </a:bodyPr>
+                <a:lstStyle/>
+                <a:p>
+                  <a:pPr>
+                    <a:defRPr sz="1000" b="1" i="0" u="none" strike="noStrike" kern="1200" spc="0" baseline="0">
+                      <a:solidFill>
+                        <a:schemeClr val="accent3"/>
+                      </a:solidFill>
+                      <a:latin typeface="+mn-lt"/>
+                      <a:ea typeface="+mn-ea"/>
+                      <a:cs typeface="+mn-cs"/>
+                    </a:defRPr>
+                  </a:pPr>
+                  <a:endParaRPr lang="en-US"/>
+                </a:p>
+              </c:txPr>
+              <c:dLblPos val="outEnd"/>
+              <c:showLegendKey val="0"/>
+              <c:showVal val="0"/>
+              <c:showCatName val="1"/>
+              <c:showSerName val="0"/>
+              <c:showPercent val="1"/>
+              <c:showBubbleSize val="0"/>
+            </c:dLbl>
+            <c:dLbl>
+              <c:idx val="3"/>
+              <c:spPr>
+                <a:noFill/>
+                <a:ln>
+                  <a:noFill/>
+                </a:ln>
+                <a:effectLst/>
+              </c:spPr>
+              <c:txPr>
+                <a:bodyPr rot="0" spcFirstLastPara="1" vertOverflow="ellipsis" vert="horz" wrap="square" lIns="38100" tIns="19050" rIns="38100" bIns="19050" anchor="ctr" anchorCtr="1">
+                  <a:spAutoFit/>
+                </a:bodyPr>
+                <a:lstStyle/>
+                <a:p>
+                  <a:pPr>
+                    <a:defRPr sz="1000" b="1" i="0" u="none" strike="noStrike" kern="1200" spc="0" baseline="0">
+                      <a:solidFill>
+                        <a:schemeClr val="accent4"/>
+                      </a:solidFill>
+                      <a:latin typeface="+mn-lt"/>
+                      <a:ea typeface="+mn-ea"/>
+                      <a:cs typeface="+mn-cs"/>
+                    </a:defRPr>
+                  </a:pPr>
+                  <a:endParaRPr lang="en-US"/>
+                </a:p>
+              </c:txPr>
+              <c:dLblPos val="outEnd"/>
+              <c:showLegendKey val="0"/>
+              <c:showVal val="0"/>
+              <c:showCatName val="1"/>
+              <c:showSerName val="0"/>
+              <c:showPercent val="1"/>
+              <c:showBubbleSize val="0"/>
+            </c:dLbl>
+            <c:dLbl>
+              <c:idx val="4"/>
+              <c:spPr>
+                <a:noFill/>
+                <a:ln>
+                  <a:noFill/>
+                </a:ln>
+                <a:effectLst/>
+              </c:spPr>
+              <c:txPr>
+                <a:bodyPr rot="0" spcFirstLastPara="1" vertOverflow="ellipsis" vert="horz" wrap="square" lIns="38100" tIns="19050" rIns="38100" bIns="19050" anchor="ctr" anchorCtr="1">
+                  <a:spAutoFit/>
+                </a:bodyPr>
+                <a:lstStyle/>
+                <a:p>
+                  <a:pPr>
+                    <a:defRPr sz="1000" b="1" i="0" u="none" strike="noStrike" kern="1200" spc="0" baseline="0">
+                      <a:solidFill>
+                        <a:schemeClr val="accent5"/>
+                      </a:solidFill>
+                      <a:latin typeface="+mn-lt"/>
+                      <a:ea typeface="+mn-ea"/>
+                      <a:cs typeface="+mn-cs"/>
+                    </a:defRPr>
+                  </a:pPr>
+                  <a:endParaRPr lang="en-US"/>
+                </a:p>
+              </c:txPr>
+              <c:dLblPos val="outEnd"/>
+              <c:showLegendKey val="0"/>
+              <c:showVal val="0"/>
+              <c:showCatName val="1"/>
+              <c:showSerName val="0"/>
+              <c:showPercent val="1"/>
+              <c:showBubbleSize val="0"/>
+            </c:dLbl>
+            <c:spPr>
+              <a:noFill/>
+              <a:ln>
+                <a:noFill/>
+              </a:ln>
+              <a:effectLst/>
+            </c:spPr>
+            <c:dLblPos val="outEnd"/>
+            <c:showLegendKey val="0"/>
+            <c:showVal val="0"/>
+            <c:showCatName val="1"/>
+            <c:showSerName val="0"/>
+            <c:showPercent val="1"/>
+            <c:showBubbleSize val="0"/>
+            <c:showLeaderLines val="1"/>
+            <c:leaderLines>
+              <c:spPr>
+                <a:ln w="9525" cap="flat" cmpd="sng" algn="ctr">
+                  <a:solidFill>
+                    <a:schemeClr val="tx1">
+                      <a:lumMod val="35000"/>
+                      <a:lumOff val="65000"/>
+                    </a:schemeClr>
+                  </a:solidFill>
+                  <a:round/>
+                </a:ln>
+                <a:effectLst/>
+              </c:spPr>
+            </c:leaderLines>
+            <c:extLst>
+              <c:ext xmlns:c15="http://schemas.microsoft.com/office/drawing/2012/chart" uri="{CE6537A1-D6FC-4f65-9D91-7224C49458BB}"/>
+            </c:extLst>
+          </c:dLbls>
+          <c:cat>
+            <c:strRef>
+              <c:f>Sheet1!$A$7:$A$11</c:f>
+              <c:strCache>
+                <c:ptCount val="5"/>
+                <c:pt idx="0">
+                  <c:v>PLANNING</c:v>
+                </c:pt>
+                <c:pt idx="1">
+                  <c:v>RUBY</c:v>
+                </c:pt>
+                <c:pt idx="2">
+                  <c:v>CSS/HTML</c:v>
+                </c:pt>
+                <c:pt idx="3">
+                  <c:v>TDD</c:v>
+                </c:pt>
+                <c:pt idx="4">
+                  <c:v>ADVANCED FUNCTIONS</c:v>
+                </c:pt>
+              </c:strCache>
+            </c:strRef>
+          </c:cat>
+          <c:val>
+            <c:numRef>
+              <c:f>Sheet1!$B$7:$B$11</c:f>
+              <c:numCache>
+                <c:formatCode>General</c:formatCode>
+                <c:ptCount val="5"/>
+                <c:pt idx="0">
+                  <c:v>1.0</c:v>
+                </c:pt>
+                <c:pt idx="1">
+                  <c:v>2.0</c:v>
+                </c:pt>
+                <c:pt idx="2">
+                  <c:v>1.0</c:v>
+                </c:pt>
+                <c:pt idx="3">
+                  <c:v>1.0</c:v>
+                </c:pt>
+                <c:pt idx="4">
+                  <c:v>1.0</c:v>
+                </c:pt>
+              </c:numCache>
+            </c:numRef>
+          </c:val>
+        </c:ser>
+        <c:dLbls>
+          <c:dLblPos val="outEnd"/>
+          <c:showLegendKey val="0"/>
+          <c:showVal val="0"/>
+          <c:showCatName val="0"/>
+          <c:showSerName val="0"/>
+          <c:showPercent val="1"/>
+          <c:showBubbleSize val="0"/>
+          <c:showLeaderLines val="1"/>
+        </c:dLbls>
+        <c:firstSliceAng val="0"/>
+      </c:pieChart>
+      <c:spPr>
+        <a:noFill/>
+        <a:ln>
+          <a:noFill/>
+        </a:ln>
+        <a:effectLst/>
+      </c:spPr>
+    </c:plotArea>
+    <c:plotVisOnly val="1"/>
+    <c:dispBlanksAs val="gap"/>
+    <c:showDLblsOverMax val="0"/>
+  </c:chart>
+  <c:spPr>
+    <a:noFill/>
+    <a:ln>
+      <a:noFill/>
+    </a:ln>
+    <a:effectLst/>
+  </c:spPr>
+  <c:txPr>
+    <a:bodyPr/>
+    <a:lstStyle/>
+    <a:p>
+      <a:pPr>
+        <a:defRPr/>
+      </a:pPr>
+      <a:endParaRPr lang="en-US"/>
+    </a:p>
+  </c:txPr>
+  <c:externalData r:id="rId3">
+    <c:autoUpdate val="0"/>
+  </c:externalData>
+</c:chartSpace>
+</file>
+
+<file path=ppt/charts/colors1.xml><?xml version="1.0" encoding="utf-8"?>
+<cs:colorStyle xmlns:cs="http://schemas.microsoft.com/office/drawing/2012/chartStyle" xmlns:a="http://schemas.openxmlformats.org/drawingml/2006/main" meth="cycle" id="10">
+  <a:schemeClr val="accent1"/>
+  <a:schemeClr val="accent2"/>
+  <a:schemeClr val="accent3"/>
+  <a:schemeClr val="accent4"/>
+  <a:schemeClr val="accent5"/>
+  <a:schemeClr val="accent6"/>
+  <cs:variation/>
+  <cs:variation>
+    <a:lumMod val="60000"/>
+  </cs:variation>
+  <cs:variation>
+    <a:lumMod val="80000"/>
+    <a:lumOff val="20000"/>
+  </cs:variation>
+  <cs:variation>
+    <a:lumMod val="80000"/>
+  </cs:variation>
+  <cs:variation>
+    <a:lumMod val="60000"/>
+    <a:lumOff val="40000"/>
+  </cs:variation>
+  <cs:variation>
+    <a:lumMod val="50000"/>
+  </cs:variation>
+  <cs:variation>
+    <a:lumMod val="70000"/>
+    <a:lumOff val="30000"/>
+  </cs:variation>
+  <cs:variation>
+    <a:lumMod val="70000"/>
+  </cs:variation>
+  <cs:variation>
+    <a:lumMod val="50000"/>
+    <a:lumOff val="50000"/>
+  </cs:variation>
+</cs:colorStyle>
+</file>
+
+<file path=ppt/charts/colors2.xml><?xml version="1.0" encoding="utf-8"?>
+<cs:colorStyle xmlns:cs="http://schemas.microsoft.com/office/drawing/2012/chartStyle" xmlns:a="http://schemas.openxmlformats.org/drawingml/2006/main" meth="cycle" id="10">
+  <a:schemeClr val="accent1"/>
+  <a:schemeClr val="accent2"/>
+  <a:schemeClr val="accent3"/>
+  <a:schemeClr val="accent4"/>
+  <a:schemeClr val="accent5"/>
+  <a:schemeClr val="accent6"/>
+  <cs:variation/>
+  <cs:variation>
+    <a:lumMod val="60000"/>
+  </cs:variation>
+  <cs:variation>
+    <a:lumMod val="80000"/>
+    <a:lumOff val="20000"/>
+  </cs:variation>
+  <cs:variation>
+    <a:lumMod val="80000"/>
+  </cs:variation>
+  <cs:variation>
+    <a:lumMod val="60000"/>
+    <a:lumOff val="40000"/>
+  </cs:variation>
+  <cs:variation>
+    <a:lumMod val="50000"/>
+  </cs:variation>
+  <cs:variation>
+    <a:lumMod val="70000"/>
+    <a:lumOff val="30000"/>
+  </cs:variation>
+  <cs:variation>
+    <a:lumMod val="70000"/>
+  </cs:variation>
+  <cs:variation>
+    <a:lumMod val="50000"/>
+    <a:lumOff val="50000"/>
+  </cs:variation>
+</cs:colorStyle>
+</file>
+
+<file path=ppt/charts/style1.xml><?xml version="1.0" encoding="utf-8"?>
+<cs:chartStyle xmlns:cs="http://schemas.microsoft.com/office/drawing/2012/chartStyle" xmlns:a="http://schemas.openxmlformats.org/drawingml/2006/main" id="259">
+  <cs:axisTitle>
+    <cs:lnRef idx="0"/>
+    <cs:fillRef idx="0"/>
+    <cs:effectRef idx="0"/>
+    <cs:fontRef idx="minor">
+      <a:schemeClr val="tx1">
+        <a:lumMod val="65000"/>
+        <a:lumOff val="35000"/>
+      </a:schemeClr>
+    </cs:fontRef>
+    <cs:defRPr sz="900" kern="1200" cap="all"/>
+  </cs:axisTitle>
+  <cs:categoryAxis>
+    <cs:lnRef idx="0"/>
+    <cs:fillRef idx="0"/>
+    <cs:effectRef idx="0"/>
+    <cs:fontRef idx="minor">
+      <a:schemeClr val="tx1">
+        <a:lumMod val="65000"/>
+        <a:lumOff val="35000"/>
+      </a:schemeClr>
+    </cs:fontRef>
+    <cs:defRPr sz="900" kern="1200"/>
+  </cs:categoryAxis>
+  <cs:chartArea mods="allowNoFillOverride allowNoLineOverride">
+    <cs:lnRef idx="0"/>
+    <cs:fillRef idx="0"/>
+    <cs:effectRef idx="0"/>
+    <cs:fontRef idx="minor">
+      <a:schemeClr val="tx1"/>
+    </cs:fontRef>
+    <cs:spPr>
+      <a:solidFill>
+        <a:schemeClr val="bg1"/>
+      </a:solidFill>
+      <a:ln w="9525" cap="flat" cmpd="sng" algn="ctr">
+        <a:solidFill>
+          <a:schemeClr val="tx1">
+            <a:lumMod val="15000"/>
+            <a:lumOff val="85000"/>
+          </a:schemeClr>
+        </a:solidFill>
+        <a:round/>
+      </a:ln>
+    </cs:spPr>
+    <cs:defRPr sz="1000" kern="1200"/>
+  </cs:chartArea>
+  <cs:dataLabel>
+    <cs:lnRef idx="0"/>
+    <cs:fillRef idx="0"/>
+    <cs:effectRef idx="0"/>
+    <cs:fontRef idx="minor">
+      <cs:styleClr val="auto"/>
+    </cs:fontRef>
+    <cs:defRPr sz="1000" b="1" i="0" u="none" strike="noStrike" kern="1200" spc="0" baseline="0"/>
+  </cs:dataLabel>
+  <cs:dataLabelCallout>
+    <cs:lnRef idx="0">
+      <cs:styleClr val="auto"/>
+    </cs:lnRef>
+    <cs:fillRef idx="0"/>
+    <cs:effectRef idx="0"/>
+    <cs:fontRef idx="minor">
+      <cs:styleClr val="auto"/>
+    </cs:fontRef>
+    <cs:spPr>
+      <a:solidFill>
+        <a:schemeClr val="lt1"/>
+      </a:solidFill>
+      <a:ln>
+        <a:solidFill>
+          <a:schemeClr val="phClr"/>
+        </a:solidFill>
+      </a:ln>
+    </cs:spPr>
+    <cs:defRPr sz="1000" b="1" kern="1200"/>
+    <cs:bodyPr rot="0" spcFirstLastPara="1" vertOverflow="clip" horzOverflow="clip" vert="horz" wrap="square" lIns="36576" tIns="18288" rIns="36576" bIns="18288" anchor="ctr" anchorCtr="1">
+      <a:spAutoFit/>
+    </cs:bodyPr>
+  </cs:dataLabelCallout>
+  <cs:dataPoint>
+    <cs:lnRef idx="0"/>
+    <cs:fillRef idx="0">
+      <cs:styleClr val="auto"/>
+    </cs:fillRef>
+    <cs:effectRef idx="0"/>
+    <cs:fontRef idx="minor">
+      <a:schemeClr val="dk1"/>
+    </cs:fontRef>
+    <cs:spPr>
+      <a:solidFill>
+        <a:schemeClr val="phClr"/>
+      </a:solidFill>
+      <a:effectLst>
+        <a:outerShdw blurRad="63500" sx="102000" sy="102000" algn="ctr" rotWithShape="0">
+          <a:prstClr val="black">
+            <a:alpha val="20000"/>
+          </a:prstClr>
+        </a:outerShdw>
+      </a:effectLst>
+    </cs:spPr>
+  </cs:dataPoint>
+  <cs:dataPoint3D>
+    <cs:lnRef idx="0"/>
+    <cs:fillRef idx="0">
+      <cs:styleClr val="auto"/>
+    </cs:fillRef>
+    <cs:effectRef idx="0"/>
+    <cs:fontRef idx="minor">
+      <a:schemeClr val="dk1"/>
+    </cs:fontRef>
+    <cs:spPr>
+      <a:solidFill>
+        <a:schemeClr val="phClr"/>
+      </a:solidFill>
+      <a:effectLst>
+        <a:outerShdw blurRad="88900" sx="102000" sy="102000" algn="ctr" rotWithShape="0">
+          <a:prstClr val="black">
+            <a:alpha val="10000"/>
+          </a:prstClr>
+        </a:outerShdw>
+      </a:effectLst>
+      <a:scene3d>
+        <a:camera prst="orthographicFront"/>
+        <a:lightRig rig="threePt" dir="t"/>
+      </a:scene3d>
+      <a:sp3d>
+        <a:bevelT w="127000" h="127000"/>
+        <a:bevelB w="127000" h="127000"/>
+      </a:sp3d>
+    </cs:spPr>
+  </cs:dataPoint3D>
+  <cs:dataPointLine>
+    <cs:lnRef idx="0">
+      <cs:styleClr val="auto"/>
+    </cs:lnRef>
+    <cs:fillRef idx="0"/>
+    <cs:effectRef idx="0"/>
+    <cs:fontRef idx="minor">
+      <a:schemeClr val="dk1"/>
+    </cs:fontRef>
+    <cs:spPr>
+      <a:ln w="28575" cap="rnd">
+        <a:solidFill>
+          <a:schemeClr val="phClr"/>
+        </a:solidFill>
+        <a:round/>
+      </a:ln>
+    </cs:spPr>
+  </cs:dataPointLine>
+  <cs:dataPointMarker>
+    <cs:lnRef idx="0"/>
+    <cs:fillRef idx="0">
+      <cs:styleClr val="auto"/>
+    </cs:fillRef>
+    <cs:effectRef idx="0"/>
+    <cs:fontRef idx="minor">
+      <a:schemeClr val="dk1"/>
+    </cs:fontRef>
+    <cs:spPr>
+      <a:solidFill>
+        <a:schemeClr val="phClr"/>
+      </a:solidFill>
+      <a:ln w="9525">
+        <a:solidFill>
+          <a:schemeClr val="lt1"/>
+        </a:solidFill>
+      </a:ln>
+    </cs:spPr>
+  </cs:dataPointMarker>
+  <cs:dataPointMarkerLayout symbol="circle" size="6"/>
+  <cs:dataPointWireframe>
+    <cs:lnRef idx="0">
+      <cs:styleClr val="auto"/>
+    </cs:lnRef>
+    <cs:fillRef idx="0"/>
+    <cs:effectRef idx="0"/>
+    <cs:fontRef idx="minor">
+      <a:schemeClr val="dk1"/>
+    </cs:fontRef>
+    <cs:spPr>
+      <a:ln w="9525" cap="rnd">
+        <a:solidFill>
+          <a:schemeClr val="phClr"/>
+        </a:solidFill>
+        <a:round/>
+      </a:ln>
+    </cs:spPr>
+  </cs:dataPointWireframe>
+  <cs:dataTable>
+    <cs:lnRef idx="0"/>
+    <cs:fillRef idx="0"/>
+    <cs:effectRef idx="0"/>
+    <cs:fontRef idx="minor">
+      <a:schemeClr val="tx1">
+        <a:lumMod val="65000"/>
+        <a:lumOff val="35000"/>
+      </a:schemeClr>
+    </cs:fontRef>
+    <cs:spPr>
+      <a:noFill/>
+      <a:ln w="9525" cap="flat" cmpd="sng" algn="ctr">
+        <a:solidFill>
+          <a:schemeClr val="tx1">
+            <a:lumMod val="15000"/>
+            <a:lumOff val="85000"/>
+          </a:schemeClr>
+        </a:solidFill>
+        <a:round/>
+      </a:ln>
+    </cs:spPr>
+    <cs:defRPr sz="900" kern="1200"/>
+  </cs:dataTable>
+  <cs:downBar>
+    <cs:lnRef idx="0"/>
+    <cs:fillRef idx="0"/>
+    <cs:effectRef idx="0"/>
+    <cs:fontRef idx="minor">
+      <a:schemeClr val="tx1"/>
+    </cs:fontRef>
+    <cs:spPr>
+      <a:solidFill>
+        <a:schemeClr val="dk1">
+          <a:lumMod val="75000"/>
+          <a:lumOff val="25000"/>
+        </a:schemeClr>
+      </a:solidFill>
+      <a:ln w="9525" cap="flat" cmpd="sng" algn="ctr">
+        <a:solidFill>
+          <a:schemeClr val="tx1">
+            <a:lumMod val="65000"/>
+            <a:lumOff val="35000"/>
+          </a:schemeClr>
+        </a:solidFill>
+        <a:round/>
+      </a:ln>
+    </cs:spPr>
+  </cs:downBar>
+  <cs:dropLine>
+    <cs:lnRef idx="0"/>
+    <cs:fillRef idx="0"/>
+    <cs:effectRef idx="0"/>
+    <cs:fontRef idx="minor">
+      <a:schemeClr val="tx1"/>
+    </cs:fontRef>
+    <cs:spPr>
+      <a:ln w="9525" cap="flat" cmpd="sng" algn="ctr">
+        <a:solidFill>
+          <a:schemeClr val="tx1">
+            <a:lumMod val="35000"/>
+            <a:lumOff val="65000"/>
+          </a:schemeClr>
+        </a:solidFill>
+        <a:round/>
+      </a:ln>
+    </cs:spPr>
+  </cs:dropLine>
+  <cs:errorBar>
+    <cs:lnRef idx="0"/>
+    <cs:fillRef idx="0"/>
+    <cs:effectRef idx="0"/>
+    <cs:fontRef idx="minor">
+      <a:schemeClr val="tx1"/>
+    </cs:fontRef>
+    <cs:spPr>
+      <a:ln w="9525" cap="flat" cmpd="sng" algn="ctr">
+        <a:solidFill>
+          <a:schemeClr val="tx1">
+            <a:lumMod val="65000"/>
+            <a:lumOff val="35000"/>
+          </a:schemeClr>
+        </a:solidFill>
+        <a:round/>
+      </a:ln>
+    </cs:spPr>
+  </cs:errorBar>
+  <cs:floor>
+    <cs:lnRef idx="0"/>
+    <cs:fillRef idx="0"/>
+    <cs:effectRef idx="0"/>
+    <cs:fontRef idx="minor">
+      <a:schemeClr val="tx1"/>
+    </cs:fontRef>
+    <cs:spPr>
+      <a:noFill/>
+      <a:ln>
+        <a:noFill/>
+      </a:ln>
+    </cs:spPr>
+  </cs:floor>
+  <cs:gridlineMajor>
+    <cs:lnRef idx="0"/>
+    <cs:fillRef idx="0"/>
+    <cs:effectRef idx="0"/>
+    <cs:fontRef idx="minor">
+      <a:schemeClr val="tx1"/>
+    </cs:fontRef>
+    <cs:spPr>
+      <a:ln w="9525" cap="flat" cmpd="sng" algn="ctr">
+        <a:solidFill>
+          <a:schemeClr val="tx1">
+            <a:lumMod val="15000"/>
+            <a:lumOff val="85000"/>
+          </a:schemeClr>
+        </a:solidFill>
+        <a:round/>
+      </a:ln>
+    </cs:spPr>
+  </cs:gridlineMajor>
+  <cs:gridlineMinor>
+    <cs:lnRef idx="0"/>
+    <cs:fillRef idx="0"/>
+    <cs:effectRef idx="0"/>
+    <cs:fontRef idx="minor">
+      <a:schemeClr val="tx1"/>
+    </cs:fontRef>
+    <cs:spPr>
+      <a:ln w="9525" cap="flat" cmpd="sng" algn="ctr">
+        <a:solidFill>
+          <a:schemeClr val="tx1">
+            <a:lumMod val="5000"/>
+            <a:lumOff val="95000"/>
+          </a:schemeClr>
+        </a:solidFill>
+        <a:round/>
+      </a:ln>
+    </cs:spPr>
+  </cs:gridlineMinor>
+  <cs:hiLoLine>
+    <cs:lnRef idx="0"/>
+    <cs:fillRef idx="0"/>
+    <cs:effectRef idx="0"/>
+    <cs:fontRef idx="minor">
+      <a:schemeClr val="tx1"/>
+    </cs:fontRef>
+    <cs:spPr>
+      <a:ln w="9525" cap="flat" cmpd="sng" algn="ctr">
+        <a:solidFill>
+          <a:schemeClr val="tx1">
+            <a:lumMod val="50000"/>
+            <a:lumOff val="50000"/>
+          </a:schemeClr>
+        </a:solidFill>
+        <a:round/>
+      </a:ln>
+    </cs:spPr>
+  </cs:hiLoLine>
+  <cs:leaderLine>
+    <cs:lnRef idx="0"/>
+    <cs:fillRef idx="0"/>
+    <cs:effectRef idx="0"/>
+    <cs:fontRef idx="minor">
+      <a:schemeClr val="tx1"/>
+    </cs:fontRef>
+    <cs:spPr>
+      <a:ln w="9525" cap="flat" cmpd="sng" algn="ctr">
+        <a:solidFill>
+          <a:schemeClr val="tx1">
+            <a:lumMod val="35000"/>
+            <a:lumOff val="65000"/>
+          </a:schemeClr>
+        </a:solidFill>
+        <a:round/>
+      </a:ln>
+    </cs:spPr>
+  </cs:leaderLine>
+  <cs:legend>
+    <cs:lnRef idx="0"/>
+    <cs:fillRef idx="0"/>
+    <cs:effectRef idx="0"/>
+    <cs:fontRef idx="minor">
+      <a:schemeClr val="tx1">
+        <a:lumMod val="65000"/>
+        <a:lumOff val="35000"/>
+      </a:schemeClr>
+    </cs:fontRef>
+    <cs:defRPr sz="900" kern="1200"/>
+  </cs:legend>
+  <cs:plotArea mods="allowNoFillOverride allowNoLineOverride">
+    <cs:lnRef idx="0"/>
+    <cs:fillRef idx="0"/>
+    <cs:effectRef idx="0"/>
+    <cs:fontRef idx="minor">
+      <a:schemeClr val="dk1"/>
+    </cs:fontRef>
+  </cs:plotArea>
+  <cs:plotArea3D mods="allowNoFillOverride allowNoLineOverride">
+    <cs:lnRef idx="0"/>
+    <cs:fillRef idx="0"/>
+    <cs:effectRef idx="0"/>
+    <cs:fontRef idx="minor">
+      <a:schemeClr val="dk1"/>
+    </cs:fontRef>
+  </cs:plotArea3D>
+  <cs:seriesAxis>
+    <cs:lnRef idx="0"/>
+    <cs:fillRef idx="0"/>
+    <cs:effectRef idx="0"/>
+    <cs:fontRef idx="minor">
+      <a:schemeClr val="tx1">
+        <a:lumMod val="65000"/>
+        <a:lumOff val="35000"/>
+      </a:schemeClr>
+    </cs:fontRef>
+    <cs:defRPr sz="900" kern="1200"/>
+  </cs:seriesAxis>
+  <cs:seriesLine>
+    <cs:lnRef idx="0"/>
+    <cs:fillRef idx="0"/>
+    <cs:effectRef idx="0"/>
+    <cs:fontRef idx="minor">
+      <a:schemeClr val="tx1"/>
+    </cs:fontRef>
+    <cs:spPr>
+      <a:ln w="9525" cap="flat" cmpd="sng" algn="ctr">
+        <a:solidFill>
+          <a:schemeClr val="tx1">
+            <a:lumMod val="35000"/>
+            <a:lumOff val="65000"/>
+          </a:schemeClr>
+        </a:solidFill>
+        <a:round/>
+      </a:ln>
+    </cs:spPr>
+  </cs:seriesLine>
+  <cs:title>
+    <cs:lnRef idx="0"/>
+    <cs:fillRef idx="0"/>
+    <cs:effectRef idx="0"/>
+    <cs:fontRef idx="minor">
+      <a:schemeClr val="tx1">
+        <a:lumMod val="65000"/>
+        <a:lumOff val="35000"/>
+      </a:schemeClr>
+    </cs:fontRef>
+    <cs:defRPr sz="1600" b="1" kern="1200" cap="all" baseline="0"/>
+  </cs:title>
+  <cs:trendline>
+    <cs:lnRef idx="0">
+      <cs:styleClr val="auto"/>
+    </cs:lnRef>
+    <cs:fillRef idx="0"/>
+    <cs:effectRef idx="0"/>
+    <cs:fontRef idx="minor">
+      <a:schemeClr val="tx1"/>
+    </cs:fontRef>
+    <cs:spPr>
+      <a:ln w="19050" cap="rnd">
+        <a:solidFill>
+          <a:schemeClr val="phClr"/>
+        </a:solidFill>
+        <a:prstDash val="sysDash"/>
+      </a:ln>
+    </cs:spPr>
+  </cs:trendline>
+  <cs:trendlineLabel>
+    <cs:lnRef idx="0"/>
+    <cs:fillRef idx="0"/>
+    <cs:effectRef idx="0"/>
+    <cs:fontRef idx="minor">
+      <a:schemeClr val="tx1">
+        <a:lumMod val="65000"/>
+        <a:lumOff val="35000"/>
+      </a:schemeClr>
+    </cs:fontRef>
+    <cs:defRPr sz="900" kern="1200"/>
+  </cs:trendlineLabel>
+  <cs:upBar>
+    <cs:lnRef idx="0"/>
+    <cs:fillRef idx="0"/>
+    <cs:effectRef idx="0"/>
+    <cs:fontRef idx="minor">
+      <a:schemeClr val="tx1"/>
+    </cs:fontRef>
+    <cs:spPr>
+      <a:solidFill>
+        <a:schemeClr val="lt1"/>
+      </a:solidFill>
+      <a:ln w="9525" cap="flat" cmpd="sng" algn="ctr">
+        <a:solidFill>
+          <a:schemeClr val="tx1">
+            <a:lumMod val="65000"/>
+            <a:lumOff val="35000"/>
+          </a:schemeClr>
+        </a:solidFill>
+        <a:round/>
+      </a:ln>
+    </cs:spPr>
+  </cs:upBar>
+  <cs:valueAxis>
+    <cs:lnRef idx="0"/>
+    <cs:fillRef idx="0"/>
+    <cs:effectRef idx="0"/>
+    <cs:fontRef idx="minor">
+      <a:schemeClr val="tx1">
+        <a:lumMod val="65000"/>
+        <a:lumOff val="35000"/>
+      </a:schemeClr>
+    </cs:fontRef>
+    <cs:defRPr sz="900" kern="1200"/>
+  </cs:valueAxis>
+  <cs:wall>
+    <cs:lnRef idx="0"/>
+    <cs:fillRef idx="0"/>
+    <cs:effectRef idx="0"/>
+    <cs:fontRef idx="minor">
+      <a:schemeClr val="tx1"/>
+    </cs:fontRef>
+    <cs:spPr>
+      <a:noFill/>
+      <a:ln>
+        <a:noFill/>
+      </a:ln>
+    </cs:spPr>
+  </cs:wall>
+</cs:chartStyle>
+</file>
+
+<file path=ppt/charts/style2.xml><?xml version="1.0" encoding="utf-8"?>
+<cs:chartStyle xmlns:cs="http://schemas.microsoft.com/office/drawing/2012/chartStyle" xmlns:a="http://schemas.openxmlformats.org/drawingml/2006/main" id="259">
+  <cs:axisTitle>
+    <cs:lnRef idx="0"/>
+    <cs:fillRef idx="0"/>
+    <cs:effectRef idx="0"/>
+    <cs:fontRef idx="minor">
+      <a:schemeClr val="tx1">
+        <a:lumMod val="65000"/>
+        <a:lumOff val="35000"/>
+      </a:schemeClr>
+    </cs:fontRef>
+    <cs:defRPr sz="900" kern="1200" cap="all"/>
+  </cs:axisTitle>
+  <cs:categoryAxis>
+    <cs:lnRef idx="0"/>
+    <cs:fillRef idx="0"/>
+    <cs:effectRef idx="0"/>
+    <cs:fontRef idx="minor">
+      <a:schemeClr val="tx1">
+        <a:lumMod val="65000"/>
+        <a:lumOff val="35000"/>
+      </a:schemeClr>
+    </cs:fontRef>
+    <cs:defRPr sz="900" kern="1200"/>
+  </cs:categoryAxis>
+  <cs:chartArea mods="allowNoFillOverride allowNoLineOverride">
+    <cs:lnRef idx="0"/>
+    <cs:fillRef idx="0"/>
+    <cs:effectRef idx="0"/>
+    <cs:fontRef idx="minor">
+      <a:schemeClr val="tx1"/>
+    </cs:fontRef>
+    <cs:spPr>
+      <a:solidFill>
+        <a:schemeClr val="bg1"/>
+      </a:solidFill>
+      <a:ln w="9525" cap="flat" cmpd="sng" algn="ctr">
+        <a:solidFill>
+          <a:schemeClr val="tx1">
+            <a:lumMod val="15000"/>
+            <a:lumOff val="85000"/>
+          </a:schemeClr>
+        </a:solidFill>
+        <a:round/>
+      </a:ln>
+    </cs:spPr>
+    <cs:defRPr sz="1000" kern="1200"/>
+  </cs:chartArea>
+  <cs:dataLabel>
+    <cs:lnRef idx="0"/>
+    <cs:fillRef idx="0"/>
+    <cs:effectRef idx="0"/>
+    <cs:fontRef idx="minor">
+      <cs:styleClr val="auto"/>
+    </cs:fontRef>
+    <cs:defRPr sz="1000" b="1" i="0" u="none" strike="noStrike" kern="1200" spc="0" baseline="0"/>
+  </cs:dataLabel>
+  <cs:dataLabelCallout>
+    <cs:lnRef idx="0">
+      <cs:styleClr val="auto"/>
+    </cs:lnRef>
+    <cs:fillRef idx="0"/>
+    <cs:effectRef idx="0"/>
+    <cs:fontRef idx="minor">
+      <cs:styleClr val="auto"/>
+    </cs:fontRef>
+    <cs:spPr>
+      <a:solidFill>
+        <a:schemeClr val="lt1"/>
+      </a:solidFill>
+      <a:ln>
+        <a:solidFill>
+          <a:schemeClr val="phClr"/>
+        </a:solidFill>
+      </a:ln>
+    </cs:spPr>
+    <cs:defRPr sz="1000" b="1" kern="1200"/>
+    <cs:bodyPr rot="0" spcFirstLastPara="1" vertOverflow="clip" horzOverflow="clip" vert="horz" wrap="square" lIns="36576" tIns="18288" rIns="36576" bIns="18288" anchor="ctr" anchorCtr="1">
+      <a:spAutoFit/>
+    </cs:bodyPr>
+  </cs:dataLabelCallout>
+  <cs:dataPoint>
+    <cs:lnRef idx="0"/>
+    <cs:fillRef idx="0">
+      <cs:styleClr val="auto"/>
+    </cs:fillRef>
+    <cs:effectRef idx="0"/>
+    <cs:fontRef idx="minor">
+      <a:schemeClr val="dk1"/>
+    </cs:fontRef>
+    <cs:spPr>
+      <a:solidFill>
+        <a:schemeClr val="phClr"/>
+      </a:solidFill>
+      <a:effectLst>
+        <a:outerShdw blurRad="63500" sx="102000" sy="102000" algn="ctr" rotWithShape="0">
+          <a:prstClr val="black">
+            <a:alpha val="20000"/>
+          </a:prstClr>
+        </a:outerShdw>
+      </a:effectLst>
+    </cs:spPr>
+  </cs:dataPoint>
+  <cs:dataPoint3D>
+    <cs:lnRef idx="0"/>
+    <cs:fillRef idx="0">
+      <cs:styleClr val="auto"/>
+    </cs:fillRef>
+    <cs:effectRef idx="0"/>
+    <cs:fontRef idx="minor">
+      <a:schemeClr val="dk1"/>
+    </cs:fontRef>
+    <cs:spPr>
+      <a:solidFill>
+        <a:schemeClr val="phClr"/>
+      </a:solidFill>
+      <a:effectLst>
+        <a:outerShdw blurRad="88900" sx="102000" sy="102000" algn="ctr" rotWithShape="0">
+          <a:prstClr val="black">
+            <a:alpha val="10000"/>
+          </a:prstClr>
+        </a:outerShdw>
+      </a:effectLst>
+      <a:scene3d>
+        <a:camera prst="orthographicFront"/>
+        <a:lightRig rig="threePt" dir="t"/>
+      </a:scene3d>
+      <a:sp3d>
+        <a:bevelT w="127000" h="127000"/>
+        <a:bevelB w="127000" h="127000"/>
+      </a:sp3d>
+    </cs:spPr>
+  </cs:dataPoint3D>
+  <cs:dataPointLine>
+    <cs:lnRef idx="0">
+      <cs:styleClr val="auto"/>
+    </cs:lnRef>
+    <cs:fillRef idx="0"/>
+    <cs:effectRef idx="0"/>
+    <cs:fontRef idx="minor">
+      <a:schemeClr val="dk1"/>
+    </cs:fontRef>
+    <cs:spPr>
+      <a:ln w="28575" cap="rnd">
+        <a:solidFill>
+          <a:schemeClr val="phClr"/>
+        </a:solidFill>
+        <a:round/>
+      </a:ln>
+    </cs:spPr>
+  </cs:dataPointLine>
+  <cs:dataPointMarker>
+    <cs:lnRef idx="0"/>
+    <cs:fillRef idx="0">
+      <cs:styleClr val="auto"/>
+    </cs:fillRef>
+    <cs:effectRef idx="0"/>
+    <cs:fontRef idx="minor">
+      <a:schemeClr val="dk1"/>
+    </cs:fontRef>
+    <cs:spPr>
+      <a:solidFill>
+        <a:schemeClr val="phClr"/>
+      </a:solidFill>
+      <a:ln w="9525">
+        <a:solidFill>
+          <a:schemeClr val="lt1"/>
+        </a:solidFill>
+      </a:ln>
+    </cs:spPr>
+  </cs:dataPointMarker>
+  <cs:dataPointMarkerLayout symbol="circle" size="6"/>
+  <cs:dataPointWireframe>
+    <cs:lnRef idx="0">
+      <cs:styleClr val="auto"/>
+    </cs:lnRef>
+    <cs:fillRef idx="0"/>
+    <cs:effectRef idx="0"/>
+    <cs:fontRef idx="minor">
+      <a:schemeClr val="dk1"/>
+    </cs:fontRef>
+    <cs:spPr>
+      <a:ln w="9525" cap="rnd">
+        <a:solidFill>
+          <a:schemeClr val="phClr"/>
+        </a:solidFill>
+        <a:round/>
+      </a:ln>
+    </cs:spPr>
+  </cs:dataPointWireframe>
+  <cs:dataTable>
+    <cs:lnRef idx="0"/>
+    <cs:fillRef idx="0"/>
+    <cs:effectRef idx="0"/>
+    <cs:fontRef idx="minor">
+      <a:schemeClr val="tx1">
+        <a:lumMod val="65000"/>
+        <a:lumOff val="35000"/>
+      </a:schemeClr>
+    </cs:fontRef>
+    <cs:spPr>
+      <a:noFill/>
+      <a:ln w="9525" cap="flat" cmpd="sng" algn="ctr">
+        <a:solidFill>
+          <a:schemeClr val="tx1">
+            <a:lumMod val="15000"/>
+            <a:lumOff val="85000"/>
+          </a:schemeClr>
+        </a:solidFill>
+        <a:round/>
+      </a:ln>
+    </cs:spPr>
+    <cs:defRPr sz="900" kern="1200"/>
+  </cs:dataTable>
+  <cs:downBar>
+    <cs:lnRef idx="0"/>
+    <cs:fillRef idx="0"/>
+    <cs:effectRef idx="0"/>
+    <cs:fontRef idx="minor">
+      <a:schemeClr val="tx1"/>
+    </cs:fontRef>
+    <cs:spPr>
+      <a:solidFill>
+        <a:schemeClr val="dk1">
+          <a:lumMod val="75000"/>
+          <a:lumOff val="25000"/>
+        </a:schemeClr>
+      </a:solidFill>
+      <a:ln w="9525" cap="flat" cmpd="sng" algn="ctr">
+        <a:solidFill>
+          <a:schemeClr val="tx1">
+            <a:lumMod val="65000"/>
+            <a:lumOff val="35000"/>
+          </a:schemeClr>
+        </a:solidFill>
+        <a:round/>
+      </a:ln>
+    </cs:spPr>
+  </cs:downBar>
+  <cs:dropLine>
+    <cs:lnRef idx="0"/>
+    <cs:fillRef idx="0"/>
+    <cs:effectRef idx="0"/>
+    <cs:fontRef idx="minor">
+      <a:schemeClr val="tx1"/>
+    </cs:fontRef>
+    <cs:spPr>
+      <a:ln w="9525" cap="flat" cmpd="sng" algn="ctr">
+        <a:solidFill>
+          <a:schemeClr val="tx1">
+            <a:lumMod val="35000"/>
+            <a:lumOff val="65000"/>
+          </a:schemeClr>
+        </a:solidFill>
+        <a:round/>
+      </a:ln>
+    </cs:spPr>
+  </cs:dropLine>
+  <cs:errorBar>
+    <cs:lnRef idx="0"/>
+    <cs:fillRef idx="0"/>
+    <cs:effectRef idx="0"/>
+    <cs:fontRef idx="minor">
+      <a:schemeClr val="tx1"/>
+    </cs:fontRef>
+    <cs:spPr>
+      <a:ln w="9525" cap="flat" cmpd="sng" algn="ctr">
+        <a:solidFill>
+          <a:schemeClr val="tx1">
+            <a:lumMod val="65000"/>
+            <a:lumOff val="35000"/>
+          </a:schemeClr>
+        </a:solidFill>
+        <a:round/>
+      </a:ln>
+    </cs:spPr>
+  </cs:errorBar>
+  <cs:floor>
+    <cs:lnRef idx="0"/>
+    <cs:fillRef idx="0"/>
+    <cs:effectRef idx="0"/>
+    <cs:fontRef idx="minor">
+      <a:schemeClr val="tx1"/>
+    </cs:fontRef>
+    <cs:spPr>
+      <a:noFill/>
+      <a:ln>
+        <a:noFill/>
+      </a:ln>
+    </cs:spPr>
+  </cs:floor>
+  <cs:gridlineMajor>
+    <cs:lnRef idx="0"/>
+    <cs:fillRef idx="0"/>
+    <cs:effectRef idx="0"/>
+    <cs:fontRef idx="minor">
+      <a:schemeClr val="tx1"/>
+    </cs:fontRef>
+    <cs:spPr>
+      <a:ln w="9525" cap="flat" cmpd="sng" algn="ctr">
+        <a:solidFill>
+          <a:schemeClr val="tx1">
+            <a:lumMod val="15000"/>
+            <a:lumOff val="85000"/>
+          </a:schemeClr>
+        </a:solidFill>
+        <a:round/>
+      </a:ln>
+    </cs:spPr>
+  </cs:gridlineMajor>
+  <cs:gridlineMinor>
+    <cs:lnRef idx="0"/>
+    <cs:fillRef idx="0"/>
+    <cs:effectRef idx="0"/>
+    <cs:fontRef idx="minor">
+      <a:schemeClr val="tx1"/>
+    </cs:fontRef>
+    <cs:spPr>
+      <a:ln w="9525" cap="flat" cmpd="sng" algn="ctr">
+        <a:solidFill>
+          <a:schemeClr val="tx1">
+            <a:lumMod val="5000"/>
+            <a:lumOff val="95000"/>
+          </a:schemeClr>
+        </a:solidFill>
+        <a:round/>
+      </a:ln>
+    </cs:spPr>
+  </cs:gridlineMinor>
+  <cs:hiLoLine>
+    <cs:lnRef idx="0"/>
+    <cs:fillRef idx="0"/>
+    <cs:effectRef idx="0"/>
+    <cs:fontRef idx="minor">
+      <a:schemeClr val="tx1"/>
+    </cs:fontRef>
+    <cs:spPr>
+      <a:ln w="9525" cap="flat" cmpd="sng" algn="ctr">
+        <a:solidFill>
+          <a:schemeClr val="tx1">
+            <a:lumMod val="50000"/>
+            <a:lumOff val="50000"/>
+          </a:schemeClr>
+        </a:solidFill>
+        <a:round/>
+      </a:ln>
+    </cs:spPr>
+  </cs:hiLoLine>
+  <cs:leaderLine>
+    <cs:lnRef idx="0"/>
+    <cs:fillRef idx="0"/>
+    <cs:effectRef idx="0"/>
+    <cs:fontRef idx="minor">
+      <a:schemeClr val="tx1"/>
+    </cs:fontRef>
+    <cs:spPr>
+      <a:ln w="9525" cap="flat" cmpd="sng" algn="ctr">
+        <a:solidFill>
+          <a:schemeClr val="tx1">
+            <a:lumMod val="35000"/>
+            <a:lumOff val="65000"/>
+          </a:schemeClr>
+        </a:solidFill>
+        <a:round/>
+      </a:ln>
+    </cs:spPr>
+  </cs:leaderLine>
+  <cs:legend>
+    <cs:lnRef idx="0"/>
+    <cs:fillRef idx="0"/>
+    <cs:effectRef idx="0"/>
+    <cs:fontRef idx="minor">
+      <a:schemeClr val="tx1">
+        <a:lumMod val="65000"/>
+        <a:lumOff val="35000"/>
+      </a:schemeClr>
+    </cs:fontRef>
+    <cs:defRPr sz="900" kern="1200"/>
+  </cs:legend>
+  <cs:plotArea mods="allowNoFillOverride allowNoLineOverride">
+    <cs:lnRef idx="0"/>
+    <cs:fillRef idx="0"/>
+    <cs:effectRef idx="0"/>
+    <cs:fontRef idx="minor">
+      <a:schemeClr val="dk1"/>
+    </cs:fontRef>
+  </cs:plotArea>
+  <cs:plotArea3D mods="allowNoFillOverride allowNoLineOverride">
+    <cs:lnRef idx="0"/>
+    <cs:fillRef idx="0"/>
+    <cs:effectRef idx="0"/>
+    <cs:fontRef idx="minor">
+      <a:schemeClr val="dk1"/>
+    </cs:fontRef>
+  </cs:plotArea3D>
+  <cs:seriesAxis>
+    <cs:lnRef idx="0"/>
+    <cs:fillRef idx="0"/>
+    <cs:effectRef idx="0"/>
+    <cs:fontRef idx="minor">
+      <a:schemeClr val="tx1">
+        <a:lumMod val="65000"/>
+        <a:lumOff val="35000"/>
+      </a:schemeClr>
+    </cs:fontRef>
+    <cs:defRPr sz="900" kern="1200"/>
+  </cs:seriesAxis>
+  <cs:seriesLine>
+    <cs:lnRef idx="0"/>
+    <cs:fillRef idx="0"/>
+    <cs:effectRef idx="0"/>
+    <cs:fontRef idx="minor">
+      <a:schemeClr val="tx1"/>
+    </cs:fontRef>
+    <cs:spPr>
+      <a:ln w="9525" cap="flat" cmpd="sng" algn="ctr">
+        <a:solidFill>
+          <a:schemeClr val="tx1">
+            <a:lumMod val="35000"/>
+            <a:lumOff val="65000"/>
+          </a:schemeClr>
+        </a:solidFill>
+        <a:round/>
+      </a:ln>
+    </cs:spPr>
+  </cs:seriesLine>
+  <cs:title>
+    <cs:lnRef idx="0"/>
+    <cs:fillRef idx="0"/>
+    <cs:effectRef idx="0"/>
+    <cs:fontRef idx="minor">
+      <a:schemeClr val="tx1">
+        <a:lumMod val="65000"/>
+        <a:lumOff val="35000"/>
+      </a:schemeClr>
+    </cs:fontRef>
+    <cs:defRPr sz="1600" b="1" kern="1200" cap="all" baseline="0"/>
+  </cs:title>
+  <cs:trendline>
+    <cs:lnRef idx="0">
+      <cs:styleClr val="auto"/>
+    </cs:lnRef>
+    <cs:fillRef idx="0"/>
+    <cs:effectRef idx="0"/>
+    <cs:fontRef idx="minor">
+      <a:schemeClr val="tx1"/>
+    </cs:fontRef>
+    <cs:spPr>
+      <a:ln w="19050" cap="rnd">
+        <a:solidFill>
+          <a:schemeClr val="phClr"/>
+        </a:solidFill>
+        <a:prstDash val="sysDash"/>
+      </a:ln>
+    </cs:spPr>
+  </cs:trendline>
+  <cs:trendlineLabel>
+    <cs:lnRef idx="0"/>
+    <cs:fillRef idx="0"/>
+    <cs:effectRef idx="0"/>
+    <cs:fontRef idx="minor">
+      <a:schemeClr val="tx1">
+        <a:lumMod val="65000"/>
+        <a:lumOff val="35000"/>
+      </a:schemeClr>
+    </cs:fontRef>
+    <cs:defRPr sz="900" kern="1200"/>
+  </cs:trendlineLabel>
+  <cs:upBar>
+    <cs:lnRef idx="0"/>
+    <cs:fillRef idx="0"/>
+    <cs:effectRef idx="0"/>
+    <cs:fontRef idx="minor">
+      <a:schemeClr val="tx1"/>
+    </cs:fontRef>
+    <cs:spPr>
+      <a:solidFill>
+        <a:schemeClr val="lt1"/>
+      </a:solidFill>
+      <a:ln w="9525" cap="flat" cmpd="sng" algn="ctr">
+        <a:solidFill>
+          <a:schemeClr val="tx1">
+            <a:lumMod val="65000"/>
+            <a:lumOff val="35000"/>
+          </a:schemeClr>
+        </a:solidFill>
+        <a:round/>
+      </a:ln>
+    </cs:spPr>
+  </cs:upBar>
+  <cs:valueAxis>
+    <cs:lnRef idx="0"/>
+    <cs:fillRef idx="0"/>
+    <cs:effectRef idx="0"/>
+    <cs:fontRef idx="minor">
+      <a:schemeClr val="tx1">
+        <a:lumMod val="65000"/>
+        <a:lumOff val="35000"/>
+      </a:schemeClr>
+    </cs:fontRef>
+    <cs:defRPr sz="900" kern="1200"/>
+  </cs:valueAxis>
+  <cs:wall>
+    <cs:lnRef idx="0"/>
+    <cs:fillRef idx="0"/>
+    <cs:effectRef idx="0"/>
+    <cs:fontRef idx="minor">
+      <a:schemeClr val="tx1"/>
+    </cs:fontRef>
+    <cs:spPr>
+      <a:noFill/>
+      <a:ln>
+        <a:noFill/>
+      </a:ln>
+    </cs:spPr>
+  </cs:wall>
+</cs:chartStyle>
 </file>
 
 <file path=ppt/slideLayouts/slideLayout1.xml><?xml version="1.0" encoding="utf-8"?>
@@ -3609,7 +5581,11 @@
           <a:p>
             <a:r>
               <a:rPr lang="en-US" dirty="0" smtClean="0"/>
-              <a:t>Rio Olympic medals tracker</a:t>
+              <a:t>Rio Olympic </a:t>
+            </a:r>
+            <a:r>
+              <a:rPr lang="en-US" smtClean="0"/>
+              <a:t>medals </a:t>
             </a:r>
             <a:endParaRPr lang="en-US" dirty="0"/>
           </a:p>
@@ -3738,8 +5714,13 @@
           <a:p>
             <a:r>
               <a:rPr lang="en-US" dirty="0"/>
-              <a:t>Additional required functionality is the ability to add nations, to add athletes to nations and to add the medal won by the athlete.</a:t>
-            </a:r>
+              <a:t>Additional required functionality is the ability to add nations, to add athletes to nations and to add the medal won by the athlete</a:t>
+            </a:r>
+            <a:r>
+              <a:rPr lang="en-US" dirty="0" smtClean="0"/>
+              <a:t>. </a:t>
+            </a:r>
+            <a:endParaRPr lang="en-US" dirty="0"/>
           </a:p>
           <a:p>
             <a:r>
@@ -3828,62 +5809,95 @@
           <a:p>
             <a:r>
               <a:rPr lang="en-US" dirty="0" smtClean="0"/>
-              <a:t>User Story</a:t>
-            </a:r>
-            <a:endParaRPr lang="en-US" dirty="0"/>
-          </a:p>
-        </p:txBody>
-      </p:sp>
-      <p:sp>
-        <p:nvSpPr>
-          <p:cNvPr id="3" name="Content Placeholder 2"/>
-          <p:cNvSpPr>
-            <a:spLocks noGrp="1"/>
-          </p:cNvSpPr>
+              <a:t>Planning and Research</a:t>
+            </a:r>
+            <a:endParaRPr lang="en-US" dirty="0"/>
+          </a:p>
+        </p:txBody>
+      </p:sp>
+      <p:pic>
+        <p:nvPicPr>
+          <p:cNvPr id="5" name="Content Placeholder 4"/>
+          <p:cNvPicPr>
+            <a:picLocks noGrp="1" noChangeAspect="1"/>
+          </p:cNvPicPr>
           <p:nvPr>
             <p:ph idx="1"/>
           </p:nvPr>
+        </p:nvPicPr>
+        <p:blipFill>
+          <a:blip r:embed="rId2">
+            <a:extLst>
+              <a:ext uri="{28A0092B-C50C-407E-A947-70E740481C1C}">
+                <a14:useLocalDpi xmlns:a14="http://schemas.microsoft.com/office/drawing/2010/main" val="0"/>
+              </a:ext>
+            </a:extLst>
+          </a:blip>
+          <a:stretch>
+            <a:fillRect/>
+          </a:stretch>
+        </p:blipFill>
+        <p:spPr>
+          <a:xfrm>
+            <a:off x="6402002" y="798513"/>
+            <a:ext cx="3293483" cy="4655159"/>
+          </a:xfrm>
+        </p:spPr>
+      </p:pic>
+      <p:sp>
+        <p:nvSpPr>
+          <p:cNvPr id="4" name="Text Placeholder 3"/>
+          <p:cNvSpPr>
+            <a:spLocks noGrp="1"/>
+          </p:cNvSpPr>
+          <p:nvPr>
+            <p:ph type="body" sz="half" idx="2"/>
+          </p:nvPr>
         </p:nvSpPr>
         <p:spPr/>
         <p:txBody>
           <a:bodyPr>
-            <a:normAutofit/>
+            <a:normAutofit lnSpcReduction="10000"/>
           </a:bodyPr>
           <a:lstStyle/>
           <a:p>
             <a:r>
+              <a:rPr lang="en-US" dirty="0">
+                <a:hlinkClick r:id="rId3"/>
+              </a:rPr>
+              <a:t>https://</a:t>
+            </a:r>
+            <a:r>
+              <a:rPr lang="en-US" dirty="0" smtClean="0">
+                <a:hlinkClick r:id="rId3"/>
+              </a:rPr>
+              <a:t>www.rio2016.com/en/countries</a:t>
+            </a:r>
+            <a:endParaRPr lang="en-US" dirty="0" smtClean="0"/>
+          </a:p>
+          <a:p>
+            <a:r>
               <a:rPr lang="en-US" dirty="0" smtClean="0"/>
-              <a:t>Paul has a temporary data input job at Rio Olympic HQ following being kicked off the </a:t>
-            </a:r>
-            <a:r>
-              <a:rPr lang="en-US" dirty="0" err="1" smtClean="0"/>
-              <a:t>codeclan</a:t>
-            </a:r>
+              <a:t>Whiteboard Data Structure</a:t>
+            </a:r>
+          </a:p>
+          <a:p>
             <a:r>
               <a:rPr lang="en-US" dirty="0" smtClean="0"/>
-              <a:t> course for a dismal attempt at the week 4 project.</a:t>
+              <a:t>Trello Board</a:t>
             </a:r>
           </a:p>
           <a:p>
             <a:r>
               <a:rPr lang="en-US" dirty="0" smtClean="0"/>
-              <a:t>Whilst he waits for his underwear modelling career to kick of he has been tasked with searching the medal results.</a:t>
+              <a:t>Pseudocode</a:t>
             </a:r>
           </a:p>
           <a:p>
             <a:r>
               <a:rPr lang="en-US" dirty="0" smtClean="0"/>
-              <a:t>He needs a home page with athlete, event and nation options.  </a:t>
-            </a:r>
-          </a:p>
-          <a:p>
-            <a:r>
-              <a:rPr lang="en-US" dirty="0" smtClean="0"/>
-              <a:t>From the home page he needs to be able to search a nations athletes, refine by event and display the medals won and points</a:t>
-            </a:r>
-            <a:endParaRPr lang="en-US" dirty="0"/>
-          </a:p>
-          <a:p>
+              <a:t>File Structure</a:t>
+            </a:r>
             <a:endParaRPr lang="en-US" dirty="0"/>
           </a:p>
         </p:txBody>
@@ -3891,7 +5905,7 @@
     </p:spTree>
     <p:extLst>
       <p:ext uri="{BB962C8B-B14F-4D97-AF65-F5344CB8AC3E}">
-        <p14:creationId xmlns:p14="http://schemas.microsoft.com/office/powerpoint/2010/main" val="957935317"/>
+        <p14:creationId xmlns:p14="http://schemas.microsoft.com/office/powerpoint/2010/main" val="885677936"/>
       </p:ext>
     </p:extLst>
   </p:cSld>
@@ -3935,95 +5949,77 @@
           <a:p>
             <a:r>
               <a:rPr lang="en-US" dirty="0" smtClean="0"/>
-              <a:t>Planning and Research</a:t>
-            </a:r>
-            <a:endParaRPr lang="en-US" dirty="0"/>
-          </a:p>
-        </p:txBody>
-      </p:sp>
-      <p:pic>
-        <p:nvPicPr>
-          <p:cNvPr id="5" name="Content Placeholder 4"/>
-          <p:cNvPicPr>
-            <a:picLocks noGrp="1" noChangeAspect="1"/>
-          </p:cNvPicPr>
+              <a:t>User Story</a:t>
+            </a:r>
+            <a:endParaRPr lang="en-US" dirty="0"/>
+          </a:p>
+        </p:txBody>
+      </p:sp>
+      <p:sp>
+        <p:nvSpPr>
+          <p:cNvPr id="3" name="Content Placeholder 2"/>
+          <p:cNvSpPr>
+            <a:spLocks noGrp="1"/>
+          </p:cNvSpPr>
           <p:nvPr>
             <p:ph idx="1"/>
           </p:nvPr>
-        </p:nvPicPr>
-        <p:blipFill>
-          <a:blip r:embed="rId2">
-            <a:extLst>
-              <a:ext uri="{28A0092B-C50C-407E-A947-70E740481C1C}">
-                <a14:useLocalDpi xmlns:a14="http://schemas.microsoft.com/office/drawing/2010/main" val="0"/>
-              </a:ext>
-            </a:extLst>
-          </a:blip>
-          <a:stretch>
-            <a:fillRect/>
-          </a:stretch>
-        </p:blipFill>
-        <p:spPr>
-          <a:xfrm>
-            <a:off x="6402002" y="798513"/>
-            <a:ext cx="3293483" cy="4655159"/>
-          </a:xfrm>
-        </p:spPr>
-      </p:pic>
-      <p:sp>
-        <p:nvSpPr>
-          <p:cNvPr id="4" name="Text Placeholder 3"/>
-          <p:cNvSpPr>
-            <a:spLocks noGrp="1"/>
-          </p:cNvSpPr>
-          <p:nvPr>
-            <p:ph type="body" sz="half" idx="2"/>
-          </p:nvPr>
         </p:nvSpPr>
         <p:spPr/>
         <p:txBody>
           <a:bodyPr>
-            <a:normAutofit lnSpcReduction="10000"/>
+            <a:normAutofit fontScale="92500"/>
           </a:bodyPr>
           <a:lstStyle/>
           <a:p>
             <a:r>
-              <a:rPr lang="en-US" dirty="0">
-                <a:hlinkClick r:id="rId3"/>
-              </a:rPr>
-              <a:t>https://</a:t>
-            </a:r>
-            <a:r>
-              <a:rPr lang="en-US" dirty="0" smtClean="0">
-                <a:hlinkClick r:id="rId3"/>
-              </a:rPr>
-              <a:t>www.rio2016.com/en/countries</a:t>
+              <a:rPr lang="en-US" dirty="0" smtClean="0"/>
+              <a:t>Paul has a temporary data input job at Rio Olympic HQ until his </a:t>
+            </a:r>
+            <a:r>
+              <a:rPr lang="en-US" dirty="0"/>
+              <a:t>underwear modelling </a:t>
+            </a:r>
+            <a:r>
+              <a:rPr lang="en-US" dirty="0" smtClean="0"/>
+              <a:t>career kicks off</a:t>
+            </a:r>
+            <a:r>
+              <a:rPr lang="is-IS" dirty="0" smtClean="0"/>
+              <a:t>…</a:t>
             </a:r>
             <a:endParaRPr lang="en-US" dirty="0" smtClean="0"/>
           </a:p>
           <a:p>
             <a:r>
               <a:rPr lang="en-US" dirty="0" smtClean="0"/>
-              <a:t>Whiteboard Data Structure</a:t>
+              <a:t>He has been tasked with populating and searching the database with details from the games.</a:t>
             </a:r>
           </a:p>
           <a:p>
             <a:r>
               <a:rPr lang="en-US" dirty="0" smtClean="0"/>
-              <a:t>Trello Board</a:t>
+              <a:t>He needs a home page with athlete, event and nation options.  </a:t>
             </a:r>
           </a:p>
           <a:p>
             <a:r>
               <a:rPr lang="en-US" dirty="0" smtClean="0"/>
-              <a:t>Pseudocode</a:t>
+              <a:t>From the home page he needs to be able to search a nations athletes, refine by event and add new countries/athletes/events.</a:t>
             </a:r>
           </a:p>
           <a:p>
             <a:r>
               <a:rPr lang="en-US" dirty="0" smtClean="0"/>
-              <a:t>File Structure</a:t>
-            </a:r>
+              <a:t>Ideally he would like to be able to see the results of the medals – sadly he will be disappointed by the first release functionality for this point</a:t>
+            </a:r>
+            <a:r>
+              <a:rPr lang="is-IS" dirty="0" smtClean="0"/>
+              <a:t>…</a:t>
+            </a:r>
+            <a:endParaRPr lang="en-US" dirty="0"/>
+          </a:p>
+          <a:p>
             <a:endParaRPr lang="en-US" dirty="0"/>
           </a:p>
         </p:txBody>
@@ -4031,7 +6027,7 @@
     </p:spTree>
     <p:extLst>
       <p:ext uri="{BB962C8B-B14F-4D97-AF65-F5344CB8AC3E}">
-        <p14:creationId xmlns:p14="http://schemas.microsoft.com/office/powerpoint/2010/main" val="885677936"/>
+        <p14:creationId xmlns:p14="http://schemas.microsoft.com/office/powerpoint/2010/main" val="957935317"/>
       </p:ext>
     </p:extLst>
   </p:cSld>
@@ -4099,8 +6095,37 @@
         </p:blipFill>
         <p:spPr>
           <a:xfrm>
-            <a:off x="3953404" y="2016125"/>
+            <a:off x="2443470" y="2171108"/>
             <a:ext cx="4599517" cy="3449638"/>
+          </a:xfrm>
+          <a:prstGeom prst="rect">
+            <a:avLst/>
+          </a:prstGeom>
+        </p:spPr>
+      </p:pic>
+      <p:pic>
+        <p:nvPicPr>
+          <p:cNvPr id="7" name="Picture 6"/>
+          <p:cNvPicPr>
+            <a:picLocks noChangeAspect="1"/>
+          </p:cNvPicPr>
+          <p:nvPr/>
+        </p:nvPicPr>
+        <p:blipFill rotWithShape="1">
+          <a:blip r:embed="rId3">
+            <a:extLst>
+              <a:ext uri="{28A0092B-C50C-407E-A947-70E740481C1C}">
+                <a14:useLocalDpi xmlns:a14="http://schemas.microsoft.com/office/drawing/2010/main" val="0"/>
+              </a:ext>
+            </a:extLst>
+          </a:blip>
+          <a:srcRect r="81099"/>
+          <a:stretch/>
+        </p:blipFill>
+        <p:spPr>
+          <a:xfrm>
+            <a:off x="8183104" y="2127847"/>
+            <a:ext cx="1069384" cy="3536159"/>
           </a:xfrm>
           <a:prstGeom prst="rect">
             <a:avLst/>
@@ -4153,58 +6178,66 @@
           <a:lstStyle/>
           <a:p>
             <a:r>
-              <a:rPr lang="en-US" dirty="0" smtClean="0"/>
+              <a:rPr lang="en-US" dirty="0"/>
               <a:t>Time Management</a:t>
             </a:r>
-            <a:endParaRPr lang="en-US" dirty="0"/>
-          </a:p>
-        </p:txBody>
-      </p:sp>
-      <p:sp>
-        <p:nvSpPr>
-          <p:cNvPr id="3" name="Picture Placeholder 2"/>
-          <p:cNvSpPr>
-            <a:spLocks noGrp="1"/>
-          </p:cNvSpPr>
-          <p:nvPr>
-            <p:ph type="pic" idx="1"/>
-          </p:nvPr>
-        </p:nvSpPr>
-        <p:spPr/>
-      </p:sp>
-      <p:sp>
-        <p:nvSpPr>
-          <p:cNvPr id="4" name="Text Placeholder 3"/>
-          <p:cNvSpPr>
-            <a:spLocks noGrp="1"/>
-          </p:cNvSpPr>
-          <p:nvPr>
-            <p:ph type="body" sz="half" idx="2"/>
-          </p:nvPr>
-        </p:nvSpPr>
-        <p:spPr/>
-        <p:txBody>
-          <a:bodyPr/>
-          <a:lstStyle/>
-          <a:p>
-            <a:r>
-              <a:rPr lang="en-US" dirty="0" smtClean="0"/>
-              <a:t>Original Plan</a:t>
-            </a:r>
-          </a:p>
-          <a:p>
-            <a:r>
-              <a:rPr lang="en-US" dirty="0" smtClean="0"/>
-              <a:t>Actual Utilization</a:t>
-            </a:r>
-            <a:endParaRPr lang="en-US" dirty="0"/>
-          </a:p>
-        </p:txBody>
-      </p:sp>
+          </a:p>
+        </p:txBody>
+      </p:sp>
+      <p:graphicFrame>
+        <p:nvGraphicFramePr>
+          <p:cNvPr id="5" name="Content Placeholder 4"/>
+          <p:cNvGraphicFramePr>
+            <a:graphicFrameLocks noGrp="1"/>
+          </p:cNvGraphicFramePr>
+          <p:nvPr>
+            <p:ph sz="half" idx="1"/>
+            <p:extLst>
+              <p:ext uri="{D42A27DB-BD31-4B8C-83A1-F6EECF244321}">
+                <p14:modId xmlns:p14="http://schemas.microsoft.com/office/powerpoint/2010/main" val="577422549"/>
+              </p:ext>
+            </p:extLst>
+          </p:nvPr>
+        </p:nvGraphicFramePr>
+        <p:xfrm>
+          <a:off x="1447800" y="2011363"/>
+          <a:ext cx="4645025" cy="3448050"/>
+        </p:xfrm>
+        <a:graphic>
+          <a:graphicData uri="http://schemas.openxmlformats.org/drawingml/2006/chart">
+            <c:chart xmlns:c="http://schemas.openxmlformats.org/drawingml/2006/chart" xmlns:r="http://schemas.openxmlformats.org/officeDocument/2006/relationships" r:id="rId2"/>
+          </a:graphicData>
+        </a:graphic>
+      </p:graphicFrame>
+      <p:graphicFrame>
+        <p:nvGraphicFramePr>
+          <p:cNvPr id="6" name="Picture Placeholder 4"/>
+          <p:cNvGraphicFramePr>
+            <a:graphicFrameLocks noGrp="1"/>
+          </p:cNvGraphicFramePr>
+          <p:nvPr>
+            <p:ph sz="half" idx="2"/>
+            <p:extLst>
+              <p:ext uri="{D42A27DB-BD31-4B8C-83A1-F6EECF244321}">
+                <p14:modId xmlns:p14="http://schemas.microsoft.com/office/powerpoint/2010/main" val="54787402"/>
+              </p:ext>
+            </p:extLst>
+          </p:nvPr>
+        </p:nvGraphicFramePr>
+        <p:xfrm>
+          <a:off x="6413500" y="2017713"/>
+          <a:ext cx="4645025" cy="3441700"/>
+        </p:xfrm>
+        <a:graphic>
+          <a:graphicData uri="http://schemas.openxmlformats.org/drawingml/2006/chart">
+            <c:chart xmlns:c="http://schemas.openxmlformats.org/drawingml/2006/chart" xmlns:r="http://schemas.openxmlformats.org/officeDocument/2006/relationships" r:id="rId3"/>
+          </a:graphicData>
+        </a:graphic>
+      </p:graphicFrame>
     </p:spTree>
     <p:extLst>
       <p:ext uri="{BB962C8B-B14F-4D97-AF65-F5344CB8AC3E}">
-        <p14:creationId xmlns:p14="http://schemas.microsoft.com/office/powerpoint/2010/main" val="1521803012"/>
+        <p14:creationId xmlns:p14="http://schemas.microsoft.com/office/powerpoint/2010/main" val="712415234"/>
       </p:ext>
     </p:extLst>
   </p:cSld>
@@ -4247,52 +6280,21 @@
           <a:lstStyle/>
           <a:p>
             <a:r>
-              <a:rPr lang="en-US" dirty="0" smtClean="0"/>
+              <a:rPr lang="en-US" dirty="0"/>
               <a:t>Results</a:t>
             </a:r>
             <a:r>
-              <a:rPr lang="is-IS" dirty="0" smtClean="0"/>
+              <a:rPr lang="is-IS" dirty="0"/>
               <a:t>…..Brace yourself</a:t>
             </a:r>
             <a:endParaRPr lang="en-US" dirty="0"/>
-          </a:p>
-        </p:txBody>
-      </p:sp>
-      <p:sp>
-        <p:nvSpPr>
-          <p:cNvPr id="3" name="Picture Placeholder 2"/>
-          <p:cNvSpPr>
-            <a:spLocks noGrp="1"/>
-          </p:cNvSpPr>
-          <p:nvPr>
-            <p:ph type="pic" idx="1"/>
-          </p:nvPr>
-        </p:nvSpPr>
-        <p:spPr/>
-      </p:sp>
-      <p:sp>
-        <p:nvSpPr>
-          <p:cNvPr id="4" name="Text Placeholder 3"/>
-          <p:cNvSpPr>
-            <a:spLocks noGrp="1"/>
-          </p:cNvSpPr>
-          <p:nvPr>
-            <p:ph type="body" sz="half" idx="2"/>
-          </p:nvPr>
-        </p:nvSpPr>
-        <p:spPr/>
-        <p:txBody>
-          <a:bodyPr/>
-          <a:lstStyle/>
-          <a:p>
-            <a:endParaRPr lang="en-US"/>
           </a:p>
         </p:txBody>
       </p:sp>
     </p:spTree>
     <p:extLst>
       <p:ext uri="{BB962C8B-B14F-4D97-AF65-F5344CB8AC3E}">
-        <p14:creationId xmlns:p14="http://schemas.microsoft.com/office/powerpoint/2010/main" val="216885538"/>
+        <p14:creationId xmlns:p14="http://schemas.microsoft.com/office/powerpoint/2010/main" val="1046408826"/>
       </p:ext>
     </p:extLst>
   </p:cSld>
@@ -4394,25 +6396,6 @@
               <a:t>More logical approach to coding - seemed a bit sporadic.</a:t>
             </a:r>
           </a:p>
-          <a:p>
-            <a:endParaRPr lang="en-US" dirty="0"/>
-          </a:p>
-        </p:txBody>
-      </p:sp>
-      <p:sp>
-        <p:nvSpPr>
-          <p:cNvPr id="4" name="Text Placeholder 3"/>
-          <p:cNvSpPr>
-            <a:spLocks noGrp="1"/>
-          </p:cNvSpPr>
-          <p:nvPr>
-            <p:ph type="body" sz="half" idx="2"/>
-          </p:nvPr>
-        </p:nvSpPr>
-        <p:spPr/>
-        <p:txBody>
-          <a:bodyPr/>
-          <a:lstStyle/>
           <a:p>
             <a:endParaRPr lang="en-US" dirty="0"/>
           </a:p>

--- a/documentation/Week4_project.pptx
+++ b/documentation/Week4_project.pptx
@@ -8,8 +8,8 @@
     <p:sldId id="256" r:id="rId2"/>
     <p:sldId id="257" r:id="rId3"/>
     <p:sldId id="258" r:id="rId4"/>
-    <p:sldId id="260" r:id="rId5"/>
-    <p:sldId id="264" r:id="rId6"/>
+    <p:sldId id="264" r:id="rId5"/>
+    <p:sldId id="260" r:id="rId6"/>
     <p:sldId id="265" r:id="rId7"/>
     <p:sldId id="267" r:id="rId8"/>
     <p:sldId id="263" r:id="rId9"/>
@@ -111,6 +111,11 @@
       </a:defRPr>
     </a:lvl9pPr>
   </p:defaultTextStyle>
+  <p:extLst>
+    <p:ext uri="{EFAFB233-063F-42B5-8137-9DF3F51BA10A}">
+      <p15:sldGuideLst xmlns:p15="http://schemas.microsoft.com/office/powerpoint/2012/main"/>
+    </p:ext>
+  </p:extLst>
 </p:presentation>
 </file>
 
@@ -154,7 +159,6 @@
           </a:p>
         </c:rich>
       </c:tx>
-      <c:layout/>
       <c:overlay val="0"/>
       <c:spPr>
         <a:noFill/>
@@ -290,10 +294,10 @@
               </c:txPr>
               <c:dLblPos val="outEnd"/>
               <c:showLegendKey val="0"/>
-              <c:showVal val="0"/>
+              <c:showVal val="1"/>
               <c:showCatName val="1"/>
               <c:showSerName val="0"/>
-              <c:showPercent val="1"/>
+              <c:showPercent val="0"/>
               <c:showBubbleSize val="0"/>
             </c:dLbl>
             <c:dLbl>
@@ -326,10 +330,10 @@
               </c:txPr>
               <c:dLblPos val="outEnd"/>
               <c:showLegendKey val="0"/>
-              <c:showVal val="0"/>
+              <c:showVal val="1"/>
               <c:showCatName val="1"/>
               <c:showSerName val="0"/>
-              <c:showPercent val="1"/>
+              <c:showPercent val="0"/>
               <c:showBubbleSize val="0"/>
             </c:dLbl>
             <c:dLbl>
@@ -362,10 +366,10 @@
               </c:txPr>
               <c:dLblPos val="outEnd"/>
               <c:showLegendKey val="0"/>
-              <c:showVal val="0"/>
+              <c:showVal val="1"/>
               <c:showCatName val="1"/>
               <c:showSerName val="0"/>
-              <c:showPercent val="1"/>
+              <c:showPercent val="0"/>
               <c:showBubbleSize val="0"/>
             </c:dLbl>
             <c:spPr>
@@ -377,10 +381,10 @@
             </c:spPr>
             <c:dLblPos val="outEnd"/>
             <c:showLegendKey val="0"/>
-            <c:showVal val="0"/>
+            <c:showVal val="1"/>
             <c:showCatName val="1"/>
             <c:showSerName val="0"/>
-            <c:showPercent val="1"/>
+            <c:showPercent val="0"/>
             <c:showBubbleSize val="0"/>
             <c:showLeaderLines val="1"/>
             <c:leaderLines>
@@ -524,7 +528,6 @@
           </a:p>
         </c:rich>
       </c:tx>
-      <c:layout/>
       <c:overlay val="0"/>
       <c:spPr>
         <a:noFill/>
@@ -562,6 +565,7 @@
         <c:ser>
           <c:idx val="0"/>
           <c:order val="0"/>
+          <c:explosion val="1"/>
           <c:dPt>
             <c:idx val="0"/>
             <c:bubble3D val="0"/>
@@ -688,10 +692,10 @@
               </c:txPr>
               <c:dLblPos val="outEnd"/>
               <c:showLegendKey val="0"/>
-              <c:showVal val="0"/>
+              <c:showVal val="1"/>
               <c:showCatName val="1"/>
               <c:showSerName val="0"/>
-              <c:showPercent val="1"/>
+              <c:showPercent val="0"/>
               <c:showBubbleSize val="0"/>
             </c:dLbl>
             <c:dLbl>
@@ -724,10 +728,10 @@
               </c:txPr>
               <c:dLblPos val="outEnd"/>
               <c:showLegendKey val="0"/>
-              <c:showVal val="0"/>
+              <c:showVal val="1"/>
               <c:showCatName val="1"/>
               <c:showSerName val="0"/>
-              <c:showPercent val="1"/>
+              <c:showPercent val="0"/>
               <c:showBubbleSize val="0"/>
             </c:dLbl>
             <c:dLbl>
@@ -760,10 +764,10 @@
               </c:txPr>
               <c:dLblPos val="outEnd"/>
               <c:showLegendKey val="0"/>
-              <c:showVal val="0"/>
+              <c:showVal val="1"/>
               <c:showCatName val="1"/>
               <c:showSerName val="0"/>
-              <c:showPercent val="1"/>
+              <c:showPercent val="0"/>
               <c:showBubbleSize val="0"/>
             </c:dLbl>
             <c:dLbl>
@@ -796,10 +800,10 @@
               </c:txPr>
               <c:dLblPos val="outEnd"/>
               <c:showLegendKey val="0"/>
-              <c:showVal val="0"/>
+              <c:showVal val="1"/>
               <c:showCatName val="1"/>
               <c:showSerName val="0"/>
-              <c:showPercent val="1"/>
+              <c:showPercent val="0"/>
               <c:showBubbleSize val="0"/>
             </c:dLbl>
             <c:dLbl>
@@ -832,10 +836,10 @@
               </c:txPr>
               <c:dLblPos val="outEnd"/>
               <c:showLegendKey val="0"/>
-              <c:showVal val="0"/>
+              <c:showVal val="1"/>
               <c:showCatName val="1"/>
               <c:showSerName val="0"/>
-              <c:showPercent val="1"/>
+              <c:showPercent val="0"/>
               <c:showBubbleSize val="0"/>
             </c:dLbl>
             <c:spPr>
@@ -847,10 +851,10 @@
             </c:spPr>
             <c:dLblPos val="outEnd"/>
             <c:showLegendKey val="0"/>
-            <c:showVal val="0"/>
+            <c:showVal val="1"/>
             <c:showCatName val="1"/>
             <c:showSerName val="0"/>
-            <c:showPercent val="1"/>
+            <c:showPercent val="0"/>
             <c:showBubbleSize val="0"/>
             <c:showLeaderLines val="1"/>
             <c:leaderLines>
@@ -2225,7 +2229,7 @@
           <a:p>
             <a:fld id="{48A87A34-81AB-432B-8DAE-1953F412C126}" type="datetimeFigureOut">
               <a:rPr lang="en-US" dirty="0"/>
-              <a:t>8/17/16</a:t>
+              <a:t>8/18/16</a:t>
             </a:fld>
             <a:endParaRPr lang="en-US" dirty="0"/>
           </a:p>
@@ -2431,7 +2435,7 @@
           <a:p>
             <a:fld id="{48A87A34-81AB-432B-8DAE-1953F412C126}" type="datetimeFigureOut">
               <a:rPr lang="en-US" dirty="0"/>
-              <a:t>8/17/16</a:t>
+              <a:t>8/18/16</a:t>
             </a:fld>
             <a:endParaRPr lang="en-US" dirty="0"/>
           </a:p>
@@ -2641,7 +2645,7 @@
           <a:p>
             <a:fld id="{48A87A34-81AB-432B-8DAE-1953F412C126}" type="datetimeFigureOut">
               <a:rPr lang="en-US" dirty="0"/>
-              <a:t>8/17/16</a:t>
+              <a:t>8/18/16</a:t>
             </a:fld>
             <a:endParaRPr lang="en-US" dirty="0"/>
           </a:p>
@@ -2837,7 +2841,7 @@
           <a:p>
             <a:fld id="{48A87A34-81AB-432B-8DAE-1953F412C126}" type="datetimeFigureOut">
               <a:rPr lang="en-US" dirty="0"/>
-              <a:t>8/17/16</a:t>
+              <a:t>8/18/16</a:t>
             </a:fld>
             <a:endParaRPr lang="en-US" dirty="0"/>
           </a:p>
@@ -3111,7 +3115,7 @@
           <a:p>
             <a:fld id="{48A87A34-81AB-432B-8DAE-1953F412C126}" type="datetimeFigureOut">
               <a:rPr lang="en-US" dirty="0"/>
-              <a:t>8/17/16</a:t>
+              <a:t>8/18/16</a:t>
             </a:fld>
             <a:endParaRPr lang="en-US" dirty="0"/>
           </a:p>
@@ -3374,7 +3378,7 @@
           <a:p>
             <a:fld id="{48A87A34-81AB-432B-8DAE-1953F412C126}" type="datetimeFigureOut">
               <a:rPr lang="en-US" dirty="0"/>
-              <a:t>8/17/16</a:t>
+              <a:t>8/18/16</a:t>
             </a:fld>
             <a:endParaRPr lang="en-US" dirty="0"/>
           </a:p>
@@ -3785,7 +3789,7 @@
           <a:p>
             <a:fld id="{48A87A34-81AB-432B-8DAE-1953F412C126}" type="datetimeFigureOut">
               <a:rPr lang="en-US" dirty="0"/>
-              <a:t>8/17/16</a:t>
+              <a:t>8/18/16</a:t>
             </a:fld>
             <a:endParaRPr lang="en-US" dirty="0"/>
           </a:p>
@@ -3929,7 +3933,7 @@
           <a:p>
             <a:fld id="{48A87A34-81AB-432B-8DAE-1953F412C126}" type="datetimeFigureOut">
               <a:rPr lang="en-US" dirty="0"/>
-              <a:t>8/17/16</a:t>
+              <a:t>8/18/16</a:t>
             </a:fld>
             <a:endParaRPr lang="en-US" dirty="0"/>
           </a:p>
@@ -4050,7 +4054,7 @@
           <a:p>
             <a:fld id="{48A87A34-81AB-432B-8DAE-1953F412C126}" type="datetimeFigureOut">
               <a:rPr lang="en-US" dirty="0"/>
-              <a:t>8/17/16</a:t>
+              <a:t>8/18/16</a:t>
             </a:fld>
             <a:endParaRPr lang="en-US" dirty="0"/>
           </a:p>
@@ -4296,7 +4300,7 @@
           <a:p>
             <a:fld id="{48A87A34-81AB-432B-8DAE-1953F412C126}" type="datetimeFigureOut">
               <a:rPr lang="en-US" dirty="0"/>
-              <a:t>8/17/16</a:t>
+              <a:t>8/18/16</a:t>
             </a:fld>
             <a:endParaRPr lang="en-US" dirty="0"/>
           </a:p>
@@ -4737,7 +4741,7 @@
             <a:fld id="{48A87A34-81AB-432B-8DAE-1953F412C126}" type="datetimeFigureOut">
               <a:rPr lang="en-US" dirty="0"/>
               <a:pPr/>
-              <a:t>8/17/16</a:t>
+              <a:t>8/18/16</a:t>
             </a:fld>
             <a:endParaRPr lang="en-US" dirty="0"/>
           </a:p>
@@ -5059,7 +5063,7 @@
             <a:fld id="{48A87A34-81AB-432B-8DAE-1953F412C126}" type="datetimeFigureOut">
               <a:rPr lang="en-US" dirty="0"/>
               <a:pPr/>
-              <a:t>8/17/16</a:t>
+              <a:t>8/18/16</a:t>
             </a:fld>
             <a:endParaRPr lang="en-US" dirty="0"/>
           </a:p>
@@ -5601,6 +5605,13 @@
   <p:clrMapOvr>
     <a:masterClrMapping/>
   </p:clrMapOvr>
+  <p:timing>
+    <p:tnLst>
+      <p:par>
+        <p:cTn id="1" dur="indefinite" restart="never" nodeType="tmRoot"/>
+      </p:par>
+    </p:tnLst>
+  </p:timing>
 </p:sld>
 </file>
 
@@ -5772,6 +5783,13 @@
   <p:clrMapOvr>
     <a:masterClrMapping/>
   </p:clrMapOvr>
+  <p:timing>
+    <p:tnLst>
+      <p:par>
+        <p:cTn id="1" dur="indefinite" restart="never" nodeType="tmRoot"/>
+      </p:par>
+    </p:tnLst>
+  </p:timing>
 </p:sld>
 </file>
 
@@ -5912,132 +5930,17 @@
   <p:clrMapOvr>
     <a:masterClrMapping/>
   </p:clrMapOvr>
+  <p:timing>
+    <p:tnLst>
+      <p:par>
+        <p:cTn id="1" dur="indefinite" restart="never" nodeType="tmRoot"/>
+      </p:par>
+    </p:tnLst>
+  </p:timing>
 </p:sld>
 </file>
 
 <file path=ppt/slides/slide4.xml><?xml version="1.0" encoding="utf-8"?>
-<p:sld xmlns:a="http://schemas.openxmlformats.org/drawingml/2006/main" xmlns:r="http://schemas.openxmlformats.org/officeDocument/2006/relationships" xmlns:p="http://schemas.openxmlformats.org/presentationml/2006/main">
-  <p:cSld>
-    <p:spTree>
-      <p:nvGrpSpPr>
-        <p:cNvPr id="1" name=""/>
-        <p:cNvGrpSpPr/>
-        <p:nvPr/>
-      </p:nvGrpSpPr>
-      <p:grpSpPr>
-        <a:xfrm>
-          <a:off x="0" y="0"/>
-          <a:ext cx="0" cy="0"/>
-          <a:chOff x="0" y="0"/>
-          <a:chExt cx="0" cy="0"/>
-        </a:xfrm>
-      </p:grpSpPr>
-      <p:sp>
-        <p:nvSpPr>
-          <p:cNvPr id="2" name="Title 1"/>
-          <p:cNvSpPr>
-            <a:spLocks noGrp="1"/>
-          </p:cNvSpPr>
-          <p:nvPr>
-            <p:ph type="title"/>
-          </p:nvPr>
-        </p:nvSpPr>
-        <p:spPr/>
-        <p:txBody>
-          <a:bodyPr/>
-          <a:lstStyle/>
-          <a:p>
-            <a:r>
-              <a:rPr lang="en-US" dirty="0" smtClean="0"/>
-              <a:t>User Story</a:t>
-            </a:r>
-            <a:endParaRPr lang="en-US" dirty="0"/>
-          </a:p>
-        </p:txBody>
-      </p:sp>
-      <p:sp>
-        <p:nvSpPr>
-          <p:cNvPr id="3" name="Content Placeholder 2"/>
-          <p:cNvSpPr>
-            <a:spLocks noGrp="1"/>
-          </p:cNvSpPr>
-          <p:nvPr>
-            <p:ph idx="1"/>
-          </p:nvPr>
-        </p:nvSpPr>
-        <p:spPr/>
-        <p:txBody>
-          <a:bodyPr>
-            <a:normAutofit fontScale="92500"/>
-          </a:bodyPr>
-          <a:lstStyle/>
-          <a:p>
-            <a:r>
-              <a:rPr lang="en-US" dirty="0" smtClean="0"/>
-              <a:t>Paul has a temporary data input job at Rio Olympic HQ until his </a:t>
-            </a:r>
-            <a:r>
-              <a:rPr lang="en-US" dirty="0"/>
-              <a:t>underwear modelling </a:t>
-            </a:r>
-            <a:r>
-              <a:rPr lang="en-US" dirty="0" smtClean="0"/>
-              <a:t>career kicks off</a:t>
-            </a:r>
-            <a:r>
-              <a:rPr lang="is-IS" dirty="0" smtClean="0"/>
-              <a:t>…</a:t>
-            </a:r>
-            <a:endParaRPr lang="en-US" dirty="0" smtClean="0"/>
-          </a:p>
-          <a:p>
-            <a:r>
-              <a:rPr lang="en-US" dirty="0" smtClean="0"/>
-              <a:t>He has been tasked with populating and searching the database with details from the games.</a:t>
-            </a:r>
-          </a:p>
-          <a:p>
-            <a:r>
-              <a:rPr lang="en-US" dirty="0" smtClean="0"/>
-              <a:t>He needs a home page with athlete, event and nation options.  </a:t>
-            </a:r>
-          </a:p>
-          <a:p>
-            <a:r>
-              <a:rPr lang="en-US" dirty="0" smtClean="0"/>
-              <a:t>From the home page he needs to be able to search a nations athletes, refine by event and add new countries/athletes/events.</a:t>
-            </a:r>
-          </a:p>
-          <a:p>
-            <a:r>
-              <a:rPr lang="en-US" dirty="0" smtClean="0"/>
-              <a:t>Ideally he would like to be able to see the results of the medals – sadly he will be disappointed by the first release functionality for this point</a:t>
-            </a:r>
-            <a:r>
-              <a:rPr lang="is-IS" dirty="0" smtClean="0"/>
-              <a:t>…</a:t>
-            </a:r>
-            <a:endParaRPr lang="en-US" dirty="0"/>
-          </a:p>
-          <a:p>
-            <a:endParaRPr lang="en-US" dirty="0"/>
-          </a:p>
-        </p:txBody>
-      </p:sp>
-    </p:spTree>
-    <p:extLst>
-      <p:ext uri="{BB962C8B-B14F-4D97-AF65-F5344CB8AC3E}">
-        <p14:creationId xmlns:p14="http://schemas.microsoft.com/office/powerpoint/2010/main" val="957935317"/>
-      </p:ext>
-    </p:extLst>
-  </p:cSld>
-  <p:clrMapOvr>
-    <a:masterClrMapping/>
-  </p:clrMapOvr>
-</p:sld>
-</file>
-
-<file path=ppt/slides/slide5.xml><?xml version="1.0" encoding="utf-8"?>
 <p:sld xmlns:a="http://schemas.openxmlformats.org/drawingml/2006/main" xmlns:r="http://schemas.openxmlformats.org/officeDocument/2006/relationships" xmlns:p="http://schemas.openxmlformats.org/presentationml/2006/main">
   <p:cSld>
     <p:spTree>
@@ -6142,6 +6045,146 @@
   <p:clrMapOvr>
     <a:masterClrMapping/>
   </p:clrMapOvr>
+  <p:timing>
+    <p:tnLst>
+      <p:par>
+        <p:cTn id="1" dur="indefinite" restart="never" nodeType="tmRoot"/>
+      </p:par>
+    </p:tnLst>
+  </p:timing>
+</p:sld>
+</file>
+
+<file path=ppt/slides/slide5.xml><?xml version="1.0" encoding="utf-8"?>
+<p:sld xmlns:a="http://schemas.openxmlformats.org/drawingml/2006/main" xmlns:r="http://schemas.openxmlformats.org/officeDocument/2006/relationships" xmlns:p="http://schemas.openxmlformats.org/presentationml/2006/main">
+  <p:cSld>
+    <p:spTree>
+      <p:nvGrpSpPr>
+        <p:cNvPr id="1" name=""/>
+        <p:cNvGrpSpPr/>
+        <p:nvPr/>
+      </p:nvGrpSpPr>
+      <p:grpSpPr>
+        <a:xfrm>
+          <a:off x="0" y="0"/>
+          <a:ext cx="0" cy="0"/>
+          <a:chOff x="0" y="0"/>
+          <a:chExt cx="0" cy="0"/>
+        </a:xfrm>
+      </p:grpSpPr>
+      <p:sp>
+        <p:nvSpPr>
+          <p:cNvPr id="2" name="Title 1"/>
+          <p:cNvSpPr>
+            <a:spLocks noGrp="1"/>
+          </p:cNvSpPr>
+          <p:nvPr>
+            <p:ph type="title"/>
+          </p:nvPr>
+        </p:nvSpPr>
+        <p:spPr/>
+        <p:txBody>
+          <a:bodyPr/>
+          <a:lstStyle/>
+          <a:p>
+            <a:r>
+              <a:rPr lang="en-US" dirty="0" smtClean="0"/>
+              <a:t>User Story - Paul</a:t>
+            </a:r>
+            <a:endParaRPr lang="en-US" dirty="0"/>
+          </a:p>
+        </p:txBody>
+      </p:sp>
+      <p:sp>
+        <p:nvSpPr>
+          <p:cNvPr id="3" name="Content Placeholder 2"/>
+          <p:cNvSpPr>
+            <a:spLocks noGrp="1"/>
+          </p:cNvSpPr>
+          <p:nvPr>
+            <p:ph idx="1"/>
+          </p:nvPr>
+        </p:nvSpPr>
+        <p:spPr/>
+        <p:txBody>
+          <a:bodyPr>
+            <a:normAutofit fontScale="92500"/>
+          </a:bodyPr>
+          <a:lstStyle/>
+          <a:p>
+            <a:r>
+              <a:rPr lang="en-US" dirty="0" smtClean="0"/>
+              <a:t>Paul </a:t>
+            </a:r>
+            <a:r>
+              <a:rPr lang="en-US" dirty="0" smtClean="0"/>
+              <a:t>has found a temporary data input job at Rio Olympic HQ, just until his </a:t>
+            </a:r>
+            <a:r>
+              <a:rPr lang="en-US" dirty="0"/>
+              <a:t>underwear modelling </a:t>
+            </a:r>
+            <a:r>
+              <a:rPr lang="en-US" dirty="0" smtClean="0"/>
+              <a:t>career kicks off</a:t>
+            </a:r>
+            <a:r>
+              <a:rPr lang="is-IS" smtClean="0"/>
+              <a:t>…</a:t>
+            </a:r>
+            <a:endParaRPr lang="en-US" dirty="0" smtClean="0"/>
+          </a:p>
+          <a:p>
+            <a:r>
+              <a:rPr lang="en-US" dirty="0" smtClean="0"/>
+              <a:t>He has been tasked with populating and searching the database with details from the games.</a:t>
+            </a:r>
+          </a:p>
+          <a:p>
+            <a:r>
+              <a:rPr lang="en-US" dirty="0" smtClean="0"/>
+              <a:t>He needs a home page with athlete, event and nation options.  </a:t>
+            </a:r>
+          </a:p>
+          <a:p>
+            <a:r>
+              <a:rPr lang="en-US" dirty="0" smtClean="0"/>
+              <a:t>From the home page he needs to be able to search a nations athletes, refine by event and add new countries/athletes/events.</a:t>
+            </a:r>
+          </a:p>
+          <a:p>
+            <a:r>
+              <a:rPr lang="en-US" dirty="0" smtClean="0"/>
+              <a:t>Ideally he would like to be able to see the results of the medals in a table– sadly he will be disappointed by the first release functionality</a:t>
+            </a:r>
+            <a:r>
+              <a:rPr lang="is-IS" dirty="0" smtClean="0"/>
+              <a:t>…</a:t>
+            </a:r>
+            <a:endParaRPr lang="en-US" dirty="0"/>
+          </a:p>
+          <a:p>
+            <a:endParaRPr lang="en-US" dirty="0"/>
+          </a:p>
+        </p:txBody>
+      </p:sp>
+    </p:spTree>
+    <p:extLst>
+      <p:ext uri="{BB962C8B-B14F-4D97-AF65-F5344CB8AC3E}">
+        <p14:creationId xmlns:p14="http://schemas.microsoft.com/office/powerpoint/2010/main" val="957935317"/>
+      </p:ext>
+    </p:extLst>
+  </p:cSld>
+  <p:clrMapOvr>
+    <a:masterClrMapping/>
+  </p:clrMapOvr>
+  <p:timing>
+    <p:tnLst>
+      <p:par>
+        <p:cTn id="1" dur="indefinite" restart="never" nodeType="tmRoot"/>
+      </p:par>
+    </p:tnLst>
+  </p:timing>
 </p:sld>
 </file>
 
@@ -6219,7 +6262,7 @@
             <p:ph sz="half" idx="2"/>
             <p:extLst>
               <p:ext uri="{D42A27DB-BD31-4B8C-83A1-F6EECF244321}">
-                <p14:modId xmlns:p14="http://schemas.microsoft.com/office/powerpoint/2010/main" val="54787402"/>
+                <p14:modId xmlns:p14="http://schemas.microsoft.com/office/powerpoint/2010/main" val="218300158"/>
               </p:ext>
             </p:extLst>
           </p:nvPr>
@@ -6244,6 +6287,13 @@
   <p:clrMapOvr>
     <a:masterClrMapping/>
   </p:clrMapOvr>
+  <p:timing>
+    <p:tnLst>
+      <p:par>
+        <p:cTn id="1" dur="indefinite" restart="never" nodeType="tmRoot"/>
+      </p:par>
+    </p:tnLst>
+  </p:timing>
 </p:sld>
 </file>
 
@@ -6301,6 +6351,13 @@
   <p:clrMapOvr>
     <a:masterClrMapping/>
   </p:clrMapOvr>
+  <p:timing>
+    <p:tnLst>
+      <p:par>
+        <p:cTn id="1" dur="indefinite" restart="never" nodeType="tmRoot"/>
+      </p:par>
+    </p:tnLst>
+  </p:timing>
 </p:sld>
 </file>
 
@@ -6356,24 +6413,26 @@
         </p:nvSpPr>
         <p:spPr/>
         <p:txBody>
-          <a:bodyPr/>
+          <a:bodyPr>
+            <a:normAutofit lnSpcReduction="10000"/>
+          </a:bodyPr>
           <a:lstStyle/>
           <a:p>
             <a:r>
               <a:rPr lang="en-US" dirty="0" smtClean="0"/>
-              <a:t>Aim for me was to understand the fundamentals as this will make the Java section easier</a:t>
+              <a:t>Aim for me was to understand the fundamentals in preparation for Java</a:t>
             </a:r>
           </a:p>
           <a:p>
             <a:r>
               <a:rPr lang="en-US" dirty="0" smtClean="0"/>
-              <a:t>More in depth planning particularly around data</a:t>
+              <a:t>More in depth planning particularly around data usage and manipulation</a:t>
             </a:r>
           </a:p>
           <a:p>
             <a:r>
               <a:rPr lang="en-US" dirty="0" smtClean="0"/>
-              <a:t>Ask for help from cohort earlier and more regularly</a:t>
+              <a:t>Ask for help more often and earlier</a:t>
             </a:r>
           </a:p>
           <a:p>
@@ -6386,17 +6445,25 @@
               <a:t>’</a:t>
             </a:r>
             <a:r>
+              <a:rPr lang="en-US" smtClean="0"/>
+              <a:t>t copy </a:t>
+            </a:r>
+            <a:r>
               <a:rPr lang="en-US" dirty="0" smtClean="0"/>
-              <a:t>t just copy a load of code over and populate files with things you know should be there – build as needed</a:t>
+              <a:t>a load of code over and populate files with things you know should be there – build as needed so you understand what's going on!</a:t>
             </a:r>
           </a:p>
           <a:p>
             <a:r>
               <a:rPr lang="en-US" dirty="0" smtClean="0"/>
-              <a:t>More logical approach to coding - seemed a bit sporadic.</a:t>
-            </a:r>
-          </a:p>
-          <a:p>
+              <a:t>More logical approach to coding - seemed a bit sporadic. – Get lost easily with this approach</a:t>
+            </a:r>
+          </a:p>
+          <a:p>
+            <a:r>
+              <a:rPr lang="en-US" dirty="0" smtClean="0"/>
+              <a:t>Practice CSS!!!</a:t>
+            </a:r>
             <a:endParaRPr lang="en-US" dirty="0"/>
           </a:p>
         </p:txBody>
@@ -6411,6 +6478,13 @@
   <p:clrMapOvr>
     <a:masterClrMapping/>
   </p:clrMapOvr>
+  <p:timing>
+    <p:tnLst>
+      <p:par>
+        <p:cTn id="1" dur="indefinite" restart="never" nodeType="tmRoot"/>
+      </p:par>
+    </p:tnLst>
+  </p:timing>
 </p:sld>
 </file>
 
